--- a/Practicum13_(Advanced_2)/Geavanceerde-proeven.pptx
+++ b/Practicum13_(Advanced_2)/Geavanceerde-proeven.pptx
@@ -6,10 +6,10 @@
     <p:sldMasterId id="2147483694" r:id="rId2"/>
   </p:sldMasterIdLst>
   <p:notesMasterIdLst>
-    <p:notesMasterId r:id="rId9"/>
+    <p:notesMasterId r:id="rId13"/>
   </p:notesMasterIdLst>
   <p:handoutMasterIdLst>
-    <p:handoutMasterId r:id="rId10"/>
+    <p:handoutMasterId r:id="rId14"/>
   </p:handoutMasterIdLst>
   <p:sldIdLst>
     <p:sldId id="262" r:id="rId3"/>
@@ -17,7 +17,11 @@
     <p:sldId id="263" r:id="rId5"/>
     <p:sldId id="266" r:id="rId6"/>
     <p:sldId id="265" r:id="rId7"/>
-    <p:sldId id="267" r:id="rId8"/>
+    <p:sldId id="268" r:id="rId8"/>
+    <p:sldId id="269" r:id="rId9"/>
+    <p:sldId id="270" r:id="rId10"/>
+    <p:sldId id="271" r:id="rId11"/>
+    <p:sldId id="272" r:id="rId12"/>
   </p:sldIdLst>
   <p:sldSz cx="12192000" cy="6858000"/>
   <p:notesSz cx="6858000" cy="9144000"/>
@@ -209,7 +213,7 @@
           <a:p>
             <a:fld id="{8F591CCF-F6FD-734B-854A-5BC033593B1E}" type="datetimeFigureOut">
               <a:rPr lang="nl-NL" smtClean="0"/>
-              <a:t>3-5-2025</a:t>
+              <a:t>4-5-2025</a:t>
             </a:fld>
             <a:endParaRPr lang="nl-NL"/>
           </a:p>
@@ -374,7 +378,7 @@
           <a:p>
             <a:fld id="{23C66214-DB21-4647-B5DA-0D17CA592867}" type="datetimeFigureOut">
               <a:rPr lang="nl-NL" smtClean="0"/>
-              <a:t>3-5-2025</a:t>
+              <a:t>4-5-2025</a:t>
             </a:fld>
             <a:endParaRPr lang="nl-NL"/>
           </a:p>
@@ -685,86 +689,6 @@
           <a:bodyPr/>
           <a:lstStyle/>
           <a:p>
-            <a:pPr marL="171450" lvl="0" indent="-171450">
-              <a:buFont typeface="Arial" panose="020B0604020202020204" pitchFamily="34" charset="0"/>
-              <a:buChar char="•"/>
-            </a:pPr>
-            <a:r>
-              <a:rPr lang="nl-NL" b="1" dirty="0"/>
-              <a:t>Onderzoeksvraag:</a:t>
-            </a:r>
-          </a:p>
-          <a:p>
-            <a:pPr marL="628650" lvl="1" indent="-171450">
-              <a:buFont typeface="Arial" panose="020B0604020202020204" pitchFamily="34" charset="0"/>
-              <a:buChar char="•"/>
-            </a:pPr>
-            <a:r>
-              <a:rPr lang="nl-NL" dirty="0"/>
-              <a:t>Wat is de lading-massa-verhouding em\frac{e}{m}me​ van het elektron?</a:t>
-            </a:r>
-          </a:p>
-          <a:p>
-            <a:pPr marL="0" lvl="0" indent="0">
-              <a:buFont typeface="Arial" panose="020B0604020202020204" pitchFamily="34" charset="0"/>
-              <a:buNone/>
-            </a:pPr>
-            <a:endParaRPr lang="nl-NL" dirty="0"/>
-          </a:p>
-          <a:p>
-            <a:pPr marL="171450" lvl="0" indent="-171450">
-              <a:buFont typeface="Arial" panose="020B0604020202020204" pitchFamily="34" charset="0"/>
-              <a:buChar char="•"/>
-            </a:pPr>
-            <a:r>
-              <a:rPr lang="nl-BE" b="1" dirty="0"/>
-              <a:t>Opstelling</a:t>
-            </a:r>
-            <a:r>
-              <a:rPr lang="nl-NL" b="1" dirty="0"/>
-              <a:t>:</a:t>
-            </a:r>
-          </a:p>
-          <a:p>
-            <a:pPr marL="628650" lvl="1" indent="-171450">
-              <a:buFont typeface="Arial" panose="020B0604020202020204" pitchFamily="34" charset="0"/>
-              <a:buChar char="•"/>
-            </a:pPr>
-            <a:r>
-              <a:rPr lang="nl-BE" dirty="0"/>
-              <a:t>Elektronen </a:t>
-            </a:r>
-            <a:r>
-              <a:rPr lang="nl-NL" dirty="0"/>
-              <a:t> worden versneld door een spanningsverschil </a:t>
-            </a:r>
-            <a:r>
-              <a:rPr lang="nl-BE" dirty="0"/>
-              <a:t>U</a:t>
-            </a:r>
-          </a:p>
-          <a:p>
-            <a:pPr marL="628650" lvl="1" indent="-171450">
-              <a:buFont typeface="Arial" panose="020B0604020202020204" pitchFamily="34" charset="0"/>
-              <a:buChar char="•"/>
-            </a:pPr>
-            <a:r>
-              <a:rPr lang="nl-NL" dirty="0"/>
-              <a:t>Magnetisch veld B dwingt elektronen in een cirkelvormige baan (Langevin-opstelling)</a:t>
-            </a:r>
-          </a:p>
-          <a:p>
-            <a:pPr marL="628650" lvl="1" indent="-171450">
-              <a:buFont typeface="Arial" panose="020B0604020202020204" pitchFamily="34" charset="0"/>
-              <a:buChar char="•"/>
-            </a:pPr>
-            <a:r>
-              <a:rPr lang="nl-NL" dirty="0"/>
-              <a:t>Meting van straal r, spanning U en stroom I door de spoelen</a:t>
-            </a:r>
-            <a:endParaRPr lang="en-BE" dirty="0"/>
-          </a:p>
-          <a:p>
             <a:endParaRPr lang="en-BE" dirty="0"/>
           </a:p>
         </p:txBody>
@@ -796,6 +720,198 @@
     <p:extLst>
       <p:ext uri="{BB962C8B-B14F-4D97-AF65-F5344CB8AC3E}">
         <p14:creationId xmlns:p14="http://schemas.microsoft.com/office/powerpoint/2010/main" val="1242162003"/>
+      </p:ext>
+    </p:extLst>
+  </p:cSld>
+  <p:clrMapOvr>
+    <a:masterClrMapping/>
+  </p:clrMapOvr>
+</p:notes>
+</file>
+
+<file path=ppt/notesSlides/notesSlide2.xml><?xml version="1.0" encoding="utf-8"?>
+<p:notes xmlns:a="http://schemas.openxmlformats.org/drawingml/2006/main" xmlns:r="http://schemas.openxmlformats.org/officeDocument/2006/relationships" xmlns:p="http://schemas.openxmlformats.org/presentationml/2006/main">
+  <p:cSld>
+    <p:spTree>
+      <p:nvGrpSpPr>
+        <p:cNvPr id="1" name=""/>
+        <p:cNvGrpSpPr/>
+        <p:nvPr/>
+      </p:nvGrpSpPr>
+      <p:grpSpPr>
+        <a:xfrm>
+          <a:off x="0" y="0"/>
+          <a:ext cx="0" cy="0"/>
+          <a:chOff x="0" y="0"/>
+          <a:chExt cx="0" cy="0"/>
+        </a:xfrm>
+      </p:grpSpPr>
+      <p:sp>
+        <p:nvSpPr>
+          <p:cNvPr id="2" name="Slide Image Placeholder 1"/>
+          <p:cNvSpPr>
+            <a:spLocks noGrp="1" noRot="1" noChangeAspect="1"/>
+          </p:cNvSpPr>
+          <p:nvPr>
+            <p:ph type="sldImg"/>
+          </p:nvPr>
+        </p:nvSpPr>
+        <p:spPr/>
+      </p:sp>
+      <p:sp>
+        <p:nvSpPr>
+          <p:cNvPr id="3" name="Notes Placeholder 2"/>
+          <p:cNvSpPr>
+            <a:spLocks noGrp="1"/>
+          </p:cNvSpPr>
+          <p:nvPr>
+            <p:ph type="body" idx="1"/>
+          </p:nvPr>
+        </p:nvSpPr>
+        <p:spPr/>
+        <p:txBody>
+          <a:bodyPr/>
+          <a:lstStyle/>
+          <a:p>
+            <a:endParaRPr lang="en-BE" dirty="0"/>
+          </a:p>
+        </p:txBody>
+      </p:sp>
+      <p:sp>
+        <p:nvSpPr>
+          <p:cNvPr id="4" name="Slide Number Placeholder 3"/>
+          <p:cNvSpPr>
+            <a:spLocks noGrp="1"/>
+          </p:cNvSpPr>
+          <p:nvPr>
+            <p:ph type="sldNum" sz="quarter" idx="5"/>
+          </p:nvPr>
+        </p:nvSpPr>
+        <p:spPr/>
+        <p:txBody>
+          <a:bodyPr/>
+          <a:lstStyle/>
+          <a:p>
+            <a:fld id="{8954E32A-327F-AF4B-8E1F-209FBF93D26D}" type="slidenum">
+              <a:rPr lang="nl-NL" smtClean="0"/>
+              <a:t>6</a:t>
+            </a:fld>
+            <a:endParaRPr lang="nl-NL"/>
+          </a:p>
+        </p:txBody>
+      </p:sp>
+    </p:spTree>
+    <p:extLst>
+      <p:ext uri="{BB962C8B-B14F-4D97-AF65-F5344CB8AC3E}">
+        <p14:creationId xmlns:p14="http://schemas.microsoft.com/office/powerpoint/2010/main" val="3280434349"/>
+      </p:ext>
+    </p:extLst>
+  </p:cSld>
+  <p:clrMapOvr>
+    <a:masterClrMapping/>
+  </p:clrMapOvr>
+</p:notes>
+</file>
+
+<file path=ppt/notesSlides/notesSlide3.xml><?xml version="1.0" encoding="utf-8"?>
+<p:notes xmlns:a="http://schemas.openxmlformats.org/drawingml/2006/main" xmlns:r="http://schemas.openxmlformats.org/officeDocument/2006/relationships" xmlns:p="http://schemas.openxmlformats.org/presentationml/2006/main">
+  <p:cSld>
+    <p:spTree>
+      <p:nvGrpSpPr>
+        <p:cNvPr id="1" name="">
+          <a:extLst>
+            <a:ext uri="{FF2B5EF4-FFF2-40B4-BE49-F238E27FC236}">
+              <a16:creationId xmlns:a16="http://schemas.microsoft.com/office/drawing/2014/main" id="{012E8E2E-A741-B542-89B5-80326BB87B3C}"/>
+            </a:ext>
+          </a:extLst>
+        </p:cNvPr>
+        <p:cNvGrpSpPr/>
+        <p:nvPr/>
+      </p:nvGrpSpPr>
+      <p:grpSpPr>
+        <a:xfrm>
+          <a:off x="0" y="0"/>
+          <a:ext cx="0" cy="0"/>
+          <a:chOff x="0" y="0"/>
+          <a:chExt cx="0" cy="0"/>
+        </a:xfrm>
+      </p:grpSpPr>
+      <p:sp>
+        <p:nvSpPr>
+          <p:cNvPr id="2" name="Slide Image Placeholder 1">
+            <a:extLst>
+              <a:ext uri="{FF2B5EF4-FFF2-40B4-BE49-F238E27FC236}">
+                <a16:creationId xmlns:a16="http://schemas.microsoft.com/office/drawing/2014/main" id="{5E7ED473-0D33-3729-AA7C-C4E057A6F649}"/>
+              </a:ext>
+            </a:extLst>
+          </p:cNvPr>
+          <p:cNvSpPr>
+            <a:spLocks noGrp="1" noRot="1" noChangeAspect="1"/>
+          </p:cNvSpPr>
+          <p:nvPr>
+            <p:ph type="sldImg"/>
+          </p:nvPr>
+        </p:nvSpPr>
+        <p:spPr/>
+      </p:sp>
+      <p:sp>
+        <p:nvSpPr>
+          <p:cNvPr id="3" name="Notes Placeholder 2">
+            <a:extLst>
+              <a:ext uri="{FF2B5EF4-FFF2-40B4-BE49-F238E27FC236}">
+                <a16:creationId xmlns:a16="http://schemas.microsoft.com/office/drawing/2014/main" id="{75573D9E-EF5E-072C-EC24-4CCF52ECD92F}"/>
+              </a:ext>
+            </a:extLst>
+          </p:cNvPr>
+          <p:cNvSpPr>
+            <a:spLocks noGrp="1"/>
+          </p:cNvSpPr>
+          <p:nvPr>
+            <p:ph type="body" idx="1"/>
+          </p:nvPr>
+        </p:nvSpPr>
+        <p:spPr/>
+        <p:txBody>
+          <a:bodyPr/>
+          <a:lstStyle/>
+          <a:p>
+            <a:endParaRPr lang="en-BE" dirty="0"/>
+          </a:p>
+        </p:txBody>
+      </p:sp>
+      <p:sp>
+        <p:nvSpPr>
+          <p:cNvPr id="4" name="Slide Number Placeholder 3">
+            <a:extLst>
+              <a:ext uri="{FF2B5EF4-FFF2-40B4-BE49-F238E27FC236}">
+                <a16:creationId xmlns:a16="http://schemas.microsoft.com/office/drawing/2014/main" id="{CFB45395-9022-7DD6-CAB1-06474AB1980E}"/>
+              </a:ext>
+            </a:extLst>
+          </p:cNvPr>
+          <p:cNvSpPr>
+            <a:spLocks noGrp="1"/>
+          </p:cNvSpPr>
+          <p:nvPr>
+            <p:ph type="sldNum" sz="quarter" idx="5"/>
+          </p:nvPr>
+        </p:nvSpPr>
+        <p:spPr/>
+        <p:txBody>
+          <a:bodyPr/>
+          <a:lstStyle/>
+          <a:p>
+            <a:fld id="{8954E32A-327F-AF4B-8E1F-209FBF93D26D}" type="slidenum">
+              <a:rPr lang="nl-NL" smtClean="0"/>
+              <a:t>7</a:t>
+            </a:fld>
+            <a:endParaRPr lang="nl-NL"/>
+          </a:p>
+        </p:txBody>
+      </p:sp>
+    </p:spTree>
+    <p:extLst>
+      <p:ext uri="{BB962C8B-B14F-4D97-AF65-F5344CB8AC3E}">
+        <p14:creationId xmlns:p14="http://schemas.microsoft.com/office/powerpoint/2010/main" val="3500385052"/>
       </p:ext>
     </p:extLst>
   </p:cSld>
@@ -1527,7 +1643,7 @@
           <a:p>
             <a:fld id="{98C37DB8-E060-4524-B115-C5BD296BADE6}" type="datetime1">
               <a:rPr lang="nl-BE" smtClean="0"/>
-              <a:t>3/05/2025</a:t>
+              <a:t>4/05/2025</a:t>
             </a:fld>
             <a:endParaRPr lang="nl-NL"/>
           </a:p>
@@ -1810,7 +1926,7 @@
           <a:p>
             <a:fld id="{5C86EDCD-5C1E-41D2-8F15-00E915490996}" type="datetime1">
               <a:rPr lang="nl-BE" smtClean="0"/>
-              <a:t>3/05/2025</a:t>
+              <a:t>4/05/2025</a:t>
             </a:fld>
             <a:endParaRPr lang="nl-NL"/>
           </a:p>
@@ -2140,7 +2256,7 @@
           <a:p>
             <a:fld id="{5B9AEF7A-4A19-4D6C-B984-8A28E4BC392A}" type="datetime1">
               <a:rPr lang="nl-BE" smtClean="0"/>
-              <a:t>3/05/2025</a:t>
+              <a:t>4/05/2025</a:t>
             </a:fld>
             <a:endParaRPr lang="nl-NL"/>
           </a:p>
@@ -2459,7 +2575,7 @@
           <a:p>
             <a:fld id="{1C36DE6A-C4F8-4CF0-9451-C10CF47B23B2}" type="datetime1">
               <a:rPr lang="nl-BE" smtClean="0"/>
-              <a:t>3/05/2025</a:t>
+              <a:t>4/05/2025</a:t>
             </a:fld>
             <a:endParaRPr lang="nl-NL" dirty="0"/>
           </a:p>
@@ -2780,7 +2896,7 @@
           <a:p>
             <a:fld id="{333AD8CA-D377-42D0-B4E3-2C004987F3C7}" type="datetime1">
               <a:rPr lang="nl-BE" smtClean="0"/>
-              <a:t>3/05/2025</a:t>
+              <a:t>4/05/2025</a:t>
             </a:fld>
             <a:endParaRPr lang="nl-NL" dirty="0"/>
           </a:p>
@@ -2922,7 +3038,7 @@
           <a:p>
             <a:fld id="{30D89E20-3571-4092-8861-27DE8AA8336C}" type="datetime1">
               <a:rPr lang="nl-BE" smtClean="0"/>
-              <a:t>3/05/2025</a:t>
+              <a:t>4/05/2025</a:t>
             </a:fld>
             <a:endParaRPr lang="nl-NL"/>
           </a:p>
@@ -3406,7 +3522,7 @@
           <a:p>
             <a:fld id="{4DD4E9AF-228B-4295-BC01-B9C3441D4988}" type="datetime1">
               <a:rPr lang="nl-BE" smtClean="0"/>
-              <a:t>3/05/2025</a:t>
+              <a:t>4/05/2025</a:t>
             </a:fld>
             <a:endParaRPr lang="nl-NL" dirty="0"/>
           </a:p>
@@ -3527,7 +3643,7 @@
           <a:p>
             <a:fld id="{A687B122-9090-4D3A-A7F2-C30F7466EB53}" type="datetime1">
               <a:rPr lang="nl-BE" smtClean="0"/>
-              <a:t>3/05/2025</a:t>
+              <a:t>4/05/2025</a:t>
             </a:fld>
             <a:endParaRPr lang="nl-NL"/>
           </a:p>
@@ -3648,7 +3764,7 @@
           <a:p>
             <a:fld id="{856ADA2D-03C7-4952-9B84-E015BADE37EC}" type="datetime1">
               <a:rPr lang="nl-BE" smtClean="0"/>
-              <a:t>3/05/2025</a:t>
+              <a:t>4/05/2025</a:t>
             </a:fld>
             <a:endParaRPr lang="nl-NL"/>
           </a:p>
@@ -3830,7 +3946,7 @@
           <a:p>
             <a:fld id="{AF833CF8-1351-42BE-A0C0-701339A740A4}" type="datetime1">
               <a:rPr lang="nl-BE" smtClean="0"/>
-              <a:t>3/05/2025</a:t>
+              <a:t>4/05/2025</a:t>
             </a:fld>
             <a:endParaRPr lang="nl-NL" dirty="0"/>
           </a:p>
@@ -4114,7 +4230,7 @@
           <a:p>
             <a:fld id="{FFD66A95-C8FB-4A00-9D36-A7EBA54EF439}" type="datetime1">
               <a:rPr lang="nl-BE" smtClean="0"/>
-              <a:t>3/05/2025</a:t>
+              <a:t>4/05/2025</a:t>
             </a:fld>
             <a:endParaRPr lang="nl-NL" dirty="0"/>
           </a:p>
@@ -4755,7 +4871,7 @@
           <a:p>
             <a:fld id="{204F432A-A53A-4A8C-9EFF-7A95CD41C230}" type="datetime1">
               <a:rPr lang="nl-BE" smtClean="0"/>
-              <a:t>3/05/2025</a:t>
+              <a:t>4/05/2025</a:t>
             </a:fld>
             <a:endParaRPr lang="nl-NL" dirty="0"/>
           </a:p>
@@ -5243,6 +5359,36 @@
 </p:sld>
 </file>
 
+<file path=ppt/slides/slide10.xml><?xml version="1.0" encoding="utf-8"?>
+<p:sld xmlns:a="http://schemas.openxmlformats.org/drawingml/2006/main" xmlns:r="http://schemas.openxmlformats.org/officeDocument/2006/relationships" xmlns:p="http://schemas.openxmlformats.org/presentationml/2006/main">
+  <p:cSld>
+    <p:spTree>
+      <p:nvGrpSpPr>
+        <p:cNvPr id="1" name=""/>
+        <p:cNvGrpSpPr/>
+        <p:nvPr/>
+      </p:nvGrpSpPr>
+      <p:grpSpPr>
+        <a:xfrm>
+          <a:off x="0" y="0"/>
+          <a:ext cx="0" cy="0"/>
+          <a:chOff x="0" y="0"/>
+          <a:chExt cx="0" cy="0"/>
+        </a:xfrm>
+      </p:grpSpPr>
+    </p:spTree>
+    <p:extLst>
+      <p:ext uri="{BB962C8B-B14F-4D97-AF65-F5344CB8AC3E}">
+        <p14:creationId xmlns:p14="http://schemas.microsoft.com/office/powerpoint/2010/main" val="1520243509"/>
+      </p:ext>
+    </p:extLst>
+  </p:cSld>
+  <p:clrMapOvr>
+    <a:masterClrMapping/>
+  </p:clrMapOvr>
+</p:sld>
+</file>
+
 <file path=ppt/slides/slide2.xml><?xml version="1.0" encoding="utf-8"?>
 <p:sld xmlns:a="http://schemas.openxmlformats.org/drawingml/2006/main" xmlns:r="http://schemas.openxmlformats.org/officeDocument/2006/relationships" xmlns:p="http://schemas.openxmlformats.org/presentationml/2006/main">
   <p:cSld>
@@ -5439,163 +5585,6 @@
           </p:nvPr>
         </p:nvSpPr>
         <p:spPr/>
-      </p:sp>
-      <p:sp>
-        <p:nvSpPr>
-          <p:cNvPr id="8" name="TextBox 7">
-            <a:extLst>
-              <a:ext uri="{FF2B5EF4-FFF2-40B4-BE49-F238E27FC236}">
-                <a16:creationId xmlns:a16="http://schemas.microsoft.com/office/drawing/2014/main" id="{78C90B86-A726-1A4C-03AF-540925E22DA9}"/>
-              </a:ext>
-            </a:extLst>
-          </p:cNvPr>
-          <p:cNvSpPr txBox="1"/>
-          <p:nvPr/>
-        </p:nvSpPr>
-        <p:spPr>
-          <a:xfrm>
-            <a:off x="736073" y="1081468"/>
-            <a:ext cx="6789038" cy="923330"/>
-          </a:xfrm>
-          <a:prstGeom prst="rect">
-            <a:avLst/>
-          </a:prstGeom>
-          <a:noFill/>
-        </p:spPr>
-        <p:txBody>
-          <a:bodyPr wrap="none" rtlCol="0">
-            <a:spAutoFit/>
-          </a:bodyPr>
-          <a:lstStyle/>
-          <a:p>
-            <a:r>
-              <a:rPr lang="en-US" dirty="0"/>
-              <a:t>Ik </a:t>
-            </a:r>
-            <a:r>
-              <a:rPr lang="en-US" dirty="0" err="1"/>
-              <a:t>weet</a:t>
-            </a:r>
-            <a:r>
-              <a:rPr lang="en-US" dirty="0"/>
-              <a:t> </a:t>
-            </a:r>
-            <a:r>
-              <a:rPr lang="en-US" dirty="0" err="1"/>
-              <a:t>dus</a:t>
-            </a:r>
-            <a:r>
-              <a:rPr lang="en-US" dirty="0"/>
-              <a:t> </a:t>
-            </a:r>
-            <a:r>
-              <a:rPr lang="en-US" dirty="0" err="1"/>
-              <a:t>ni</a:t>
-            </a:r>
-            <a:r>
-              <a:rPr lang="en-US" dirty="0"/>
-              <a:t> of </a:t>
-            </a:r>
-            <a:r>
-              <a:rPr lang="en-US" dirty="0" err="1"/>
-              <a:t>dit</a:t>
-            </a:r>
-            <a:r>
-              <a:rPr lang="en-US" dirty="0"/>
-              <a:t> </a:t>
-            </a:r>
-            <a:r>
-              <a:rPr lang="en-US" dirty="0" err="1"/>
-              <a:t>als</a:t>
-            </a:r>
-            <a:r>
-              <a:rPr lang="en-US" dirty="0"/>
-              <a:t> </a:t>
-            </a:r>
-            <a:r>
-              <a:rPr lang="en-US" dirty="0" err="1"/>
-              <a:t>een</a:t>
-            </a:r>
-            <a:r>
-              <a:rPr lang="en-US" dirty="0"/>
-              <a:t> slide </a:t>
-            </a:r>
-            <a:r>
-              <a:rPr lang="en-US" dirty="0" err="1"/>
-              <a:t>telt</a:t>
-            </a:r>
-            <a:r>
-              <a:rPr lang="en-US" dirty="0"/>
-              <a:t>:</a:t>
-            </a:r>
-          </a:p>
-          <a:p>
-            <a:r>
-              <a:rPr lang="en-US" dirty="0"/>
-              <a:t>Zoja: dan </a:t>
-            </a:r>
-            <a:r>
-              <a:rPr lang="en-US" dirty="0" err="1"/>
-              <a:t>doen</a:t>
-            </a:r>
-            <a:r>
-              <a:rPr lang="en-US" dirty="0"/>
-              <a:t> we die </a:t>
-            </a:r>
-            <a:r>
-              <a:rPr lang="en-US" dirty="0" err="1"/>
-              <a:t>weg</a:t>
-            </a:r>
-            <a:br>
-              <a:rPr lang="en-US" dirty="0"/>
-            </a:br>
-            <a:r>
-              <a:rPr lang="en-US" dirty="0" err="1"/>
-              <a:t>Zonee</a:t>
-            </a:r>
-            <a:r>
-              <a:rPr lang="en-US" dirty="0"/>
-              <a:t>, dan </a:t>
-            </a:r>
-            <a:r>
-              <a:rPr lang="en-US" dirty="0" err="1"/>
-              <a:t>doen</a:t>
-            </a:r>
-            <a:r>
-              <a:rPr lang="en-US" dirty="0"/>
-              <a:t> we de </a:t>
-            </a:r>
-            <a:r>
-              <a:rPr lang="en-US" dirty="0" err="1"/>
-              <a:t>eerste</a:t>
-            </a:r>
-            <a:r>
-              <a:rPr lang="en-US" dirty="0"/>
-              <a:t> </a:t>
-            </a:r>
-            <a:r>
-              <a:rPr lang="en-US" dirty="0" err="1"/>
-              <a:t>puntjes</a:t>
-            </a:r>
-            <a:r>
-              <a:rPr lang="en-US" dirty="0"/>
-              <a:t> op de </a:t>
-            </a:r>
-            <a:r>
-              <a:rPr lang="en-US" dirty="0" err="1"/>
-              <a:t>volgende</a:t>
-            </a:r>
-            <a:r>
-              <a:rPr lang="en-US" dirty="0"/>
-              <a:t> slide </a:t>
-            </a:r>
-            <a:r>
-              <a:rPr lang="en-US" dirty="0" err="1"/>
-              <a:t>weg</a:t>
-            </a:r>
-            <a:endParaRPr lang="en-BE" dirty="0"/>
-          </a:p>
-        </p:txBody>
       </p:sp>
     </p:spTree>
     <p:extLst>
@@ -5655,65 +5644,6 @@
                 <a:pPr marL="0" indent="0">
                   <a:buNone/>
                 </a:pPr>
-                <a:r>
-                  <a:rPr lang="en-US" dirty="0">
-                    <a:solidFill>
-                      <a:schemeClr val="tx2"/>
-                    </a:solidFill>
-                  </a:rPr>
-                  <a:t>Wat is de lading-</a:t>
-                </a:r>
-                <a:r>
-                  <a:rPr lang="en-US" dirty="0" err="1">
-                    <a:solidFill>
-                      <a:schemeClr val="tx2"/>
-                    </a:solidFill>
-                  </a:rPr>
-                  <a:t>massa</a:t>
-                </a:r>
-                <a:r>
-                  <a:rPr lang="en-US" dirty="0">
-                    <a:solidFill>
-                      <a:schemeClr val="tx2"/>
-                    </a:solidFill>
-                  </a:rPr>
-                  <a:t>-</a:t>
-                </a:r>
-                <a:r>
-                  <a:rPr lang="en-US" dirty="0" err="1">
-                    <a:solidFill>
-                      <a:schemeClr val="tx2"/>
-                    </a:solidFill>
-                  </a:rPr>
-                  <a:t>verhouding</a:t>
-                </a:r>
-                <a:r>
-                  <a:rPr lang="en-US" dirty="0">
-                    <a:solidFill>
-                      <a:schemeClr val="tx2"/>
-                    </a:solidFill>
-                  </a:rPr>
-                  <a:t> van </a:t>
-                </a:r>
-                <a:r>
-                  <a:rPr lang="en-US" dirty="0" err="1">
-                    <a:solidFill>
-                      <a:schemeClr val="tx2"/>
-                    </a:solidFill>
-                  </a:rPr>
-                  <a:t>een</a:t>
-                </a:r>
-                <a:r>
-                  <a:rPr lang="en-US" dirty="0">
-                    <a:solidFill>
-                      <a:schemeClr val="tx2"/>
-                    </a:solidFill>
-                  </a:rPr>
-                  <a:t> electron</a:t>
-                </a:r>
-                <a:endParaRPr lang="en-US" dirty="0"/>
-              </a:p>
-              <a:p>
                 <a:r>
                   <a:rPr lang="en-US" b="1" dirty="0" err="1"/>
                   <a:t>Opstelling</a:t>
@@ -5792,6 +5722,9 @@
                 <a:endParaRPr lang="en-US" sz="1200" dirty="0"/>
               </a:p>
               <a:p>
+                <a:pPr marL="0" indent="0">
+                  <a:buNone/>
+                </a:pPr>
                 <a:r>
                   <a:rPr lang="en-US" b="1" dirty="0"/>
                   <a:t>Meten van:</a:t>
@@ -6413,8 +6346,8 @@
           <a:chExt cx="0" cy="0"/>
         </a:xfrm>
       </p:grpSpPr>
-      <mc:AlternateContent xmlns:mc="http://schemas.openxmlformats.org/markup-compatibility/2006">
-        <mc:Choice xmlns:a14="http://schemas.microsoft.com/office/drawing/2010/main" Requires="a14">
+      <mc:AlternateContent xmlns:mc="http://schemas.openxmlformats.org/markup-compatibility/2006" xmlns:a14="http://schemas.microsoft.com/office/drawing/2010/main">
+        <mc:Choice Requires="a14">
           <p:sp>
             <p:nvSpPr>
               <p:cNvPr id="2" name="Content Placeholder 1">
@@ -6687,7 +6620,7 @@
             </p:txBody>
           </p:sp>
         </mc:Choice>
-        <mc:Fallback>
+        <mc:Fallback xmlns="">
           <p:sp>
             <p:nvSpPr>
               <p:cNvPr id="2" name="Content Placeholder 1">
@@ -6960,7 +6893,18 @@
             <a:pPr>
               <a:buNone/>
             </a:pPr>
-            <a:endParaRPr lang="nl-BE" dirty="0"/>
+            <a:r>
+              <a:rPr lang="nl-BE" dirty="0"/>
+              <a:t>				</a:t>
+            </a:r>
+            <a:r>
+              <a:rPr lang="nl-BE" dirty="0">
+                <a:solidFill>
+                  <a:srgbClr val="FF0000"/>
+                </a:solidFill>
+              </a:rPr>
+              <a:t>XXXXXXX</a:t>
+            </a:r>
           </a:p>
           <a:p>
             <a:pPr>
@@ -6975,6 +6919,18 @@
             <a:pPr>
               <a:buNone/>
             </a:pPr>
+            <a:r>
+              <a:rPr lang="nl-BE" b="1" dirty="0"/>
+              <a:t>				</a:t>
+            </a:r>
+            <a:r>
+              <a:rPr lang="nl-BE" dirty="0">
+                <a:solidFill>
+                  <a:srgbClr val="FF0000"/>
+                </a:solidFill>
+              </a:rPr>
+              <a:t>XXXXXXX</a:t>
+            </a:r>
             <a:endParaRPr lang="nl-BE" b="1" dirty="0"/>
           </a:p>
           <a:p>
@@ -6987,6 +6943,7 @@
             </a:r>
           </a:p>
           <a:p>
+            <a:pPr lvl="1"/>
             <a:r>
               <a:rPr lang="nl-NL" sz="2000" dirty="0"/>
               <a:t>Goede benadering van de literatuurwaarde</a:t>
@@ -6994,28 +6951,23 @@
             <a:endParaRPr lang="nl-BE" sz="2000" b="1" dirty="0"/>
           </a:p>
           <a:p>
+            <a:pPr lvl="1"/>
             <a:r>
               <a:rPr lang="nl-NL" sz="2000" dirty="0"/>
               <a:t>Kleine afwijking mogelijk door systematische fouten:</a:t>
             </a:r>
           </a:p>
           <a:p>
-            <a:pPr lvl="1">
-              <a:buFont typeface="Arial" panose="020B0604020202020204" pitchFamily="34" charset="0"/>
-              <a:buChar char="•"/>
-            </a:pPr>
-            <a:r>
-              <a:rPr lang="nl-NL" sz="1800" dirty="0"/>
+            <a:pPr lvl="2"/>
+            <a:r>
+              <a:rPr lang="nl-NL" dirty="0"/>
               <a:t>Parallaxfouten bij aflezen</a:t>
             </a:r>
           </a:p>
           <a:p>
-            <a:pPr lvl="1">
-              <a:buFont typeface="Arial" panose="020B0604020202020204" pitchFamily="34" charset="0"/>
-              <a:buChar char="•"/>
-            </a:pPr>
-            <a:r>
-              <a:rPr lang="nl-NL" sz="1800" dirty="0"/>
+            <a:pPr lvl="2"/>
+            <a:r>
+              <a:rPr lang="nl-NL" dirty="0"/>
               <a:t>Onzekerheid in BBB-berekening</a:t>
             </a:r>
           </a:p>
@@ -7107,7 +7059,11 @@
           <a:p>
             <a:r>
               <a:rPr lang="en-US" dirty="0"/>
-              <a:t>Doel van het experiment</a:t>
+              <a:t>E/M ratio van </a:t>
+            </a:r>
+            <a:r>
+              <a:rPr lang="en-US" dirty="0" err="1"/>
+              <a:t>electronen</a:t>
             </a:r>
             <a:endParaRPr lang="en-BE" dirty="0"/>
           </a:p>
@@ -7131,7 +7087,13 @@
   <p:cSld>
     <p:spTree>
       <p:nvGrpSpPr>
-        <p:cNvPr id="1" name=""/>
+        <p:cNvPr id="1" name="">
+          <a:extLst>
+            <a:ext uri="{FF2B5EF4-FFF2-40B4-BE49-F238E27FC236}">
+              <a16:creationId xmlns:a16="http://schemas.microsoft.com/office/drawing/2014/main" id="{BB1D5E8E-EAD1-BDFA-45CF-678FB1D71DFC}"/>
+            </a:ext>
+          </a:extLst>
+        </p:cNvPr>
         <p:cNvGrpSpPr/>
         <p:nvPr/>
       </p:nvGrpSpPr>
@@ -7148,7 +7110,7 @@
           <p:cNvPr id="2" name="Title 1">
             <a:extLst>
               <a:ext uri="{FF2B5EF4-FFF2-40B4-BE49-F238E27FC236}">
-                <a16:creationId xmlns:a16="http://schemas.microsoft.com/office/drawing/2014/main" id="{1FB49554-DB07-8CEA-62B9-2882C8A53A87}"/>
+                <a16:creationId xmlns:a16="http://schemas.microsoft.com/office/drawing/2014/main" id="{5A8D3F00-10EC-E413-1701-8BD5230D5E13}"/>
               </a:ext>
             </a:extLst>
           </p:cNvPr>
@@ -7165,12 +7127,8 @@
           <a:lstStyle/>
           <a:p>
             <a:r>
-              <a:rPr lang="en-US" dirty="0" err="1"/>
-              <a:t>Proef</a:t>
-            </a:r>
-            <a:r>
-              <a:rPr lang="en-US" dirty="0"/>
-              <a:t> 2</a:t>
+              <a:rPr lang="nl-BE" dirty="0"/>
+              <a:t>Michelson Interferometer</a:t>
             </a:r>
             <a:endParaRPr lang="en-BE" dirty="0"/>
           </a:p>
@@ -7181,7 +7139,7 @@
           <p:cNvPr id="3" name="Text Placeholder 2">
             <a:extLst>
               <a:ext uri="{FF2B5EF4-FFF2-40B4-BE49-F238E27FC236}">
-                <a16:creationId xmlns:a16="http://schemas.microsoft.com/office/drawing/2014/main" id="{06C98177-3473-3A9E-80CB-718FC8CB88CB}"/>
+                <a16:creationId xmlns:a16="http://schemas.microsoft.com/office/drawing/2014/main" id="{F944FB8C-6B64-6E9F-705D-0C7486FB67B9}"/>
               </a:ext>
             </a:extLst>
           </p:cNvPr>
@@ -7192,12 +7150,21 @@
             <p:ph type="body" idx="1"/>
           </p:nvPr>
         </p:nvSpPr>
-        <p:spPr/>
+        <p:spPr>
+          <a:xfrm>
+            <a:off x="575998" y="4359600"/>
+            <a:ext cx="8411885" cy="1501200"/>
+          </a:xfrm>
+        </p:spPr>
         <p:txBody>
           <a:bodyPr/>
           <a:lstStyle/>
           <a:p>
-            <a:endParaRPr lang="en-BE"/>
+            <a:r>
+              <a:rPr lang="nl-NL" dirty="0"/>
+              <a:t>Bepalen van de brekingsindex van lucht  en koolstofdioxide.</a:t>
+            </a:r>
+            <a:endParaRPr lang="en-BE" dirty="0"/>
           </a:p>
         </p:txBody>
       </p:sp>
@@ -7206,7 +7173,7 @@
           <p:cNvPr id="4" name="Footer Placeholder 3">
             <a:extLst>
               <a:ext uri="{FF2B5EF4-FFF2-40B4-BE49-F238E27FC236}">
-                <a16:creationId xmlns:a16="http://schemas.microsoft.com/office/drawing/2014/main" id="{E6DE8ECF-66BF-80EB-8470-CB5581B3B96C}"/>
+                <a16:creationId xmlns:a16="http://schemas.microsoft.com/office/drawing/2014/main" id="{E82EE7BA-DA4C-934E-3C86-FF4A37CA3BCD}"/>
               </a:ext>
             </a:extLst>
           </p:cNvPr>
@@ -7234,7 +7201,7 @@
           <p:cNvPr id="5" name="Slide Number Placeholder 4">
             <a:extLst>
               <a:ext uri="{FF2B5EF4-FFF2-40B4-BE49-F238E27FC236}">
-                <a16:creationId xmlns:a16="http://schemas.microsoft.com/office/drawing/2014/main" id="{511CD68D-DBF9-85AF-761A-8C2D806C9F1E}"/>
+                <a16:creationId xmlns:a16="http://schemas.microsoft.com/office/drawing/2014/main" id="{1B966A54-DBD6-4473-D5DF-72692B16A76D}"/>
               </a:ext>
             </a:extLst>
           </p:cNvPr>
@@ -7263,7 +7230,7 @@
           <p:cNvPr id="6" name="Picture Placeholder 5">
             <a:extLst>
               <a:ext uri="{FF2B5EF4-FFF2-40B4-BE49-F238E27FC236}">
-                <a16:creationId xmlns:a16="http://schemas.microsoft.com/office/drawing/2014/main" id="{4A448910-9523-894C-F069-2361745E29CA}"/>
+                <a16:creationId xmlns:a16="http://schemas.microsoft.com/office/drawing/2014/main" id="{CDD6FE85-A1D2-8FCD-2CFA-CCA91B2C7A17}"/>
               </a:ext>
             </a:extLst>
           </p:cNvPr>
@@ -7281,7 +7248,7 @@
           <p:cNvPr id="7" name="Picture Placeholder 6">
             <a:extLst>
               <a:ext uri="{FF2B5EF4-FFF2-40B4-BE49-F238E27FC236}">
-                <a16:creationId xmlns:a16="http://schemas.microsoft.com/office/drawing/2014/main" id="{FD20069A-2E9B-F69D-5C00-1FE7CD1B2391}"/>
+                <a16:creationId xmlns:a16="http://schemas.microsoft.com/office/drawing/2014/main" id="{E7B21A26-089C-FDD9-95EC-A31DF05C420C}"/>
               </a:ext>
             </a:extLst>
           </p:cNvPr>
@@ -7297,7 +7264,1339 @@
     </p:spTree>
     <p:extLst>
       <p:ext uri="{BB962C8B-B14F-4D97-AF65-F5344CB8AC3E}">
-        <p14:creationId xmlns:p14="http://schemas.microsoft.com/office/powerpoint/2010/main" val="2693224196"/>
+        <p14:creationId xmlns:p14="http://schemas.microsoft.com/office/powerpoint/2010/main" val="1216497455"/>
+      </p:ext>
+    </p:extLst>
+  </p:cSld>
+  <p:clrMapOvr>
+    <a:masterClrMapping/>
+  </p:clrMapOvr>
+</p:sld>
+</file>
+
+<file path=ppt/slides/slide7.xml><?xml version="1.0" encoding="utf-8"?>
+<p:sld xmlns:a="http://schemas.openxmlformats.org/drawingml/2006/main" xmlns:r="http://schemas.openxmlformats.org/officeDocument/2006/relationships" xmlns:p="http://schemas.openxmlformats.org/presentationml/2006/main">
+  <p:cSld>
+    <p:spTree>
+      <p:nvGrpSpPr>
+        <p:cNvPr id="1" name="">
+          <a:extLst>
+            <a:ext uri="{FF2B5EF4-FFF2-40B4-BE49-F238E27FC236}">
+              <a16:creationId xmlns:a16="http://schemas.microsoft.com/office/drawing/2014/main" id="{CD2667F9-4D49-213C-3E7D-0259FA77AB45}"/>
+            </a:ext>
+          </a:extLst>
+        </p:cNvPr>
+        <p:cNvGrpSpPr/>
+        <p:nvPr/>
+      </p:nvGrpSpPr>
+      <p:grpSpPr>
+        <a:xfrm>
+          <a:off x="0" y="0"/>
+          <a:ext cx="0" cy="0"/>
+          <a:chOff x="0" y="0"/>
+          <a:chExt cx="0" cy="0"/>
+        </a:xfrm>
+      </p:grpSpPr>
+      <mc:AlternateContent xmlns:mc="http://schemas.openxmlformats.org/markup-compatibility/2006">
+        <mc:Choice xmlns:a14="http://schemas.microsoft.com/office/drawing/2010/main" Requires="a14">
+          <p:sp>
+            <p:nvSpPr>
+              <p:cNvPr id="2" name="Content Placeholder 1">
+                <a:extLst>
+                  <a:ext uri="{FF2B5EF4-FFF2-40B4-BE49-F238E27FC236}">
+                    <a16:creationId xmlns:a16="http://schemas.microsoft.com/office/drawing/2014/main" id="{6439FA9C-A3CE-0E2E-287E-6A87AD56D61C}"/>
+                  </a:ext>
+                </a:extLst>
+              </p:cNvPr>
+              <p:cNvSpPr>
+                <a:spLocks noGrp="1"/>
+              </p:cNvSpPr>
+              <p:nvPr>
+                <p:ph idx="1"/>
+              </p:nvPr>
+            </p:nvSpPr>
+            <p:spPr/>
+            <p:txBody>
+              <a:bodyPr>
+                <a:normAutofit fontScale="92500" lnSpcReduction="20000"/>
+              </a:bodyPr>
+              <a:lstStyle/>
+              <a:p>
+                <a:pPr marL="0" indent="0">
+                  <a:buNone/>
+                </a:pPr>
+                <a:r>
+                  <a:rPr lang="en-US" b="1" dirty="0"/>
+                  <a:t>Opstelling:</a:t>
+                </a:r>
+              </a:p>
+              <a:p>
+                <a:pPr lvl="1"/>
+                <a:r>
+                  <a:rPr lang="nl-NL" sz="2200" dirty="0"/>
+                  <a:t>Michelson-interferometer met vacuümbuis (lengte L) in één arm</a:t>
+                </a:r>
+              </a:p>
+              <a:p>
+                <a:pPr lvl="1"/>
+                <a:r>
+                  <a:rPr lang="en-US" sz="2200" dirty="0">
+                    <a:latin typeface="+mj-lt"/>
+                    <a:ea typeface="Cambria Math" panose="02040503050406030204" pitchFamily="18" charset="0"/>
+                  </a:rPr>
+                  <a:t>He-Ne-Laser met </a:t>
+                </a:r>
+                <a14:m>
+                  <m:oMath xmlns:m="http://schemas.openxmlformats.org/officeDocument/2006/math">
+                    <m:r>
+                      <a:rPr lang="en-US" sz="2200" i="1" smtClean="0">
+                        <a:latin typeface="Cambria Math" panose="02040503050406030204" pitchFamily="18" charset="0"/>
+                        <a:ea typeface="Cambria Math" panose="02040503050406030204" pitchFamily="18" charset="0"/>
+                      </a:rPr>
+                      <m:t>𝜆</m:t>
+                    </m:r>
+                    <m:r>
+                      <a:rPr lang="en-US" sz="2200" b="0" i="1" smtClean="0">
+                        <a:latin typeface="Cambria Math" panose="02040503050406030204" pitchFamily="18" charset="0"/>
+                        <a:ea typeface="Cambria Math" panose="02040503050406030204" pitchFamily="18" charset="0"/>
+                      </a:rPr>
+                      <m:t>=632</m:t>
+                    </m:r>
+                    <m:r>
+                      <a:rPr lang="en-US" sz="2200" b="0" i="1" smtClean="0">
+                        <a:latin typeface="Cambria Math" panose="02040503050406030204" pitchFamily="18" charset="0"/>
+                        <a:ea typeface="Cambria Math" panose="02040503050406030204" pitchFamily="18" charset="0"/>
+                      </a:rPr>
+                      <m:t>𝑛𝑚</m:t>
+                    </m:r>
+                  </m:oMath>
+                </a14:m>
+                <a:endParaRPr lang="en-US" sz="2200" dirty="0">
+                  <a:latin typeface="+mj-lt"/>
+                  <a:ea typeface="Cambria Math" panose="02040503050406030204" pitchFamily="18" charset="0"/>
+                </a:endParaRPr>
+              </a:p>
+              <a:p>
+                <a:pPr lvl="1"/>
+                <a:r>
+                  <a:rPr lang="en-US" sz="2200" dirty="0">
+                    <a:latin typeface="+mj-lt"/>
+                    <a:ea typeface="Cambria Math" panose="02040503050406030204" pitchFamily="18" charset="0"/>
+                  </a:rPr>
+                  <a:t>M is </a:t>
+                </a:r>
+                <a:r>
+                  <a:rPr lang="en-US" sz="2200" dirty="0" err="1">
+                    <a:latin typeface="+mj-lt"/>
+                    <a:ea typeface="Cambria Math" panose="02040503050406030204" pitchFamily="18" charset="0"/>
+                  </a:rPr>
+                  <a:t>aantal</a:t>
+                </a:r>
+                <a:r>
+                  <a:rPr lang="en-US" sz="2200" dirty="0">
+                    <a:latin typeface="+mj-lt"/>
+                    <a:ea typeface="Cambria Math" panose="02040503050406030204" pitchFamily="18" charset="0"/>
+                  </a:rPr>
+                  <a:t> </a:t>
+                </a:r>
+                <a:r>
+                  <a:rPr lang="en-US" sz="2200" dirty="0" err="1">
+                    <a:latin typeface="+mj-lt"/>
+                    <a:ea typeface="Cambria Math" panose="02040503050406030204" pitchFamily="18" charset="0"/>
+                  </a:rPr>
+                  <a:t>verschoven</a:t>
+                </a:r>
+                <a:r>
+                  <a:rPr lang="en-US" sz="2200" dirty="0">
+                    <a:latin typeface="+mj-lt"/>
+                    <a:ea typeface="Cambria Math" panose="02040503050406030204" pitchFamily="18" charset="0"/>
+                  </a:rPr>
+                  <a:t> </a:t>
+                </a:r>
+                <a:r>
+                  <a:rPr lang="en-US" sz="2200" dirty="0" err="1">
+                    <a:latin typeface="+mj-lt"/>
+                    <a:ea typeface="Cambria Math" panose="02040503050406030204" pitchFamily="18" charset="0"/>
+                  </a:rPr>
+                  <a:t>lijnen</a:t>
+                </a:r>
+                <a:endParaRPr lang="en-US" sz="2200" dirty="0">
+                  <a:latin typeface="+mj-lt"/>
+                  <a:ea typeface="Cambria Math" panose="02040503050406030204" pitchFamily="18" charset="0"/>
+                </a:endParaRPr>
+              </a:p>
+              <a:p>
+                <a:pPr marL="457200" lvl="1" indent="0">
+                  <a:buNone/>
+                </a:pPr>
+                <a:endParaRPr lang="en-US" sz="1200" dirty="0"/>
+              </a:p>
+              <a:p>
+                <a:pPr marL="457200" lvl="1" indent="0">
+                  <a:buNone/>
+                </a:pPr>
+                <a:endParaRPr lang="en-US" sz="1200" dirty="0">
+                  <a:latin typeface="Cambria Math" panose="02040503050406030204" pitchFamily="18" charset="0"/>
+                  <a:ea typeface="Cambria Math" panose="02040503050406030204" pitchFamily="18" charset="0"/>
+                </a:endParaRPr>
+              </a:p>
+              <a:p>
+                <a:pPr marL="0" indent="0">
+                  <a:buNone/>
+                </a:pPr>
+                <a14:m>
+                  <m:oMath xmlns:m="http://schemas.openxmlformats.org/officeDocument/2006/math">
+                    <m:r>
+                      <a:rPr lang="en-US" sz="2600" b="0" i="1" smtClean="0">
+                        <a:latin typeface="Cambria Math" panose="02040503050406030204" pitchFamily="18" charset="0"/>
+                        <a:ea typeface="Cambria Math" panose="02040503050406030204" pitchFamily="18" charset="0"/>
+                      </a:rPr>
+                      <m:t>𝑛</m:t>
+                    </m:r>
+                    <m:r>
+                      <a:rPr lang="en-US" sz="2600" b="0" i="1" smtClean="0">
+                        <a:latin typeface="Cambria Math" panose="02040503050406030204" pitchFamily="18" charset="0"/>
+                        <a:ea typeface="Cambria Math" panose="02040503050406030204" pitchFamily="18" charset="0"/>
+                      </a:rPr>
+                      <m:t>=1+</m:t>
+                    </m:r>
+                    <m:f>
+                      <m:fPr>
+                        <m:ctrlPr>
+                          <a:rPr lang="en-US" sz="2600" b="0" i="1" smtClean="0">
+                            <a:latin typeface="Cambria Math" panose="02040503050406030204" pitchFamily="18" charset="0"/>
+                            <a:ea typeface="Cambria Math" panose="02040503050406030204" pitchFamily="18" charset="0"/>
+                          </a:rPr>
+                        </m:ctrlPr>
+                      </m:fPr>
+                      <m:num>
+                        <m:r>
+                          <a:rPr lang="en-US" sz="2600" b="0" i="1" smtClean="0">
+                            <a:latin typeface="Cambria Math" panose="02040503050406030204" pitchFamily="18" charset="0"/>
+                            <a:ea typeface="Cambria Math" panose="02040503050406030204" pitchFamily="18" charset="0"/>
+                          </a:rPr>
+                          <m:t>𝑀</m:t>
+                        </m:r>
+                        <m:r>
+                          <a:rPr lang="en-US" sz="2600" b="0" i="1" smtClean="0">
+                            <a:latin typeface="Cambria Math" panose="02040503050406030204" pitchFamily="18" charset="0"/>
+                            <a:ea typeface="Cambria Math" panose="02040503050406030204" pitchFamily="18" charset="0"/>
+                          </a:rPr>
+                          <m:t>∗</m:t>
+                        </m:r>
+                        <m:r>
+                          <a:rPr lang="en-US" sz="2600" b="0" i="1" smtClean="0">
+                            <a:latin typeface="Cambria Math" panose="02040503050406030204" pitchFamily="18" charset="0"/>
+                            <a:ea typeface="Cambria Math" panose="02040503050406030204" pitchFamily="18" charset="0"/>
+                          </a:rPr>
+                          <m:t>𝜆</m:t>
+                        </m:r>
+                      </m:num>
+                      <m:den>
+                        <m:r>
+                          <a:rPr lang="en-US" sz="2600" b="0" i="1" smtClean="0">
+                            <a:latin typeface="Cambria Math" panose="02040503050406030204" pitchFamily="18" charset="0"/>
+                            <a:ea typeface="Cambria Math" panose="02040503050406030204" pitchFamily="18" charset="0"/>
+                          </a:rPr>
+                          <m:t>2</m:t>
+                        </m:r>
+                        <m:r>
+                          <a:rPr lang="en-US" sz="2600" b="0" i="1" smtClean="0">
+                            <a:latin typeface="Cambria Math" panose="02040503050406030204" pitchFamily="18" charset="0"/>
+                            <a:ea typeface="Cambria Math" panose="02040503050406030204" pitchFamily="18" charset="0"/>
+                          </a:rPr>
+                          <m:t>𝐿</m:t>
+                        </m:r>
+                      </m:den>
+                    </m:f>
+                  </m:oMath>
+                </a14:m>
+                <a:r>
+                  <a:rPr lang="en-US" sz="2600" dirty="0">
+                    <a:latin typeface="Cambria Math" panose="02040503050406030204" pitchFamily="18" charset="0"/>
+                    <a:ea typeface="Cambria Math" panose="02040503050406030204" pitchFamily="18" charset="0"/>
+                  </a:rPr>
+                  <a:t>          </a:t>
+                </a:r>
+                <a:r>
+                  <a:rPr lang="en-US" sz="2600" dirty="0" err="1">
+                    <a:latin typeface="Cambria Math" panose="02040503050406030204" pitchFamily="18" charset="0"/>
+                    <a:ea typeface="Cambria Math" panose="02040503050406030204" pitchFamily="18" charset="0"/>
+                  </a:rPr>
+                  <a:t>en</a:t>
+                </a:r>
+                <a:r>
+                  <a:rPr lang="en-US" sz="2600" dirty="0">
+                    <a:latin typeface="Cambria Math" panose="02040503050406030204" pitchFamily="18" charset="0"/>
+                    <a:ea typeface="Cambria Math" panose="02040503050406030204" pitchFamily="18" charset="0"/>
+                  </a:rPr>
+                  <a:t> </a:t>
+                </a:r>
+                <a:r>
+                  <a:rPr lang="en-US" sz="1800" dirty="0">
+                    <a:latin typeface="Cambria Math" panose="02040503050406030204" pitchFamily="18" charset="0"/>
+                    <a:ea typeface="Cambria Math" panose="02040503050406030204" pitchFamily="18" charset="0"/>
+                  </a:rPr>
+                  <a:t>         </a:t>
+                </a:r>
+                <a14:m>
+                  <m:oMath xmlns:m="http://schemas.openxmlformats.org/officeDocument/2006/math">
+                    <m:r>
+                      <a:rPr lang="en-US" sz="2600" b="0" i="1" smtClean="0">
+                        <a:latin typeface="Cambria Math" panose="02040503050406030204" pitchFamily="18" charset="0"/>
+                        <a:ea typeface="Cambria Math" panose="02040503050406030204" pitchFamily="18" charset="0"/>
+                      </a:rPr>
+                      <m:t>𝑛</m:t>
+                    </m:r>
+                    <m:r>
+                      <a:rPr lang="en-US" sz="2600" b="0" i="1" smtClean="0">
+                        <a:latin typeface="Cambria Math" panose="02040503050406030204" pitchFamily="18" charset="0"/>
+                        <a:ea typeface="Cambria Math" panose="02040503050406030204" pitchFamily="18" charset="0"/>
+                      </a:rPr>
+                      <m:t>=1+ </m:t>
+                    </m:r>
+                    <m:f>
+                      <m:fPr>
+                        <m:ctrlPr>
+                          <a:rPr lang="en-US" sz="2600" b="0" i="1" smtClean="0">
+                            <a:latin typeface="Cambria Math" panose="02040503050406030204" pitchFamily="18" charset="0"/>
+                            <a:ea typeface="Cambria Math" panose="02040503050406030204" pitchFamily="18" charset="0"/>
+                          </a:rPr>
+                        </m:ctrlPr>
+                      </m:fPr>
+                      <m:num>
+                        <m:r>
+                          <a:rPr lang="en-US" sz="2600" b="0" i="1" smtClean="0">
+                            <a:latin typeface="Cambria Math" panose="02040503050406030204" pitchFamily="18" charset="0"/>
+                            <a:ea typeface="Cambria Math" panose="02040503050406030204" pitchFamily="18" charset="0"/>
+                          </a:rPr>
+                          <m:t>𝑀</m:t>
+                        </m:r>
+                        <m:r>
+                          <a:rPr lang="en-US" sz="2600" b="0" i="1" smtClean="0">
+                            <a:latin typeface="Cambria Math" panose="02040503050406030204" pitchFamily="18" charset="0"/>
+                            <a:ea typeface="Cambria Math" panose="02040503050406030204" pitchFamily="18" charset="0"/>
+                          </a:rPr>
+                          <m:t>∗</m:t>
+                        </m:r>
+                        <m:r>
+                          <a:rPr lang="en-US" sz="2600" b="0" i="1" smtClean="0">
+                            <a:latin typeface="Cambria Math" panose="02040503050406030204" pitchFamily="18" charset="0"/>
+                            <a:ea typeface="Cambria Math" panose="02040503050406030204" pitchFamily="18" charset="0"/>
+                          </a:rPr>
+                          <m:t>𝜆</m:t>
+                        </m:r>
+                        <m:r>
+                          <a:rPr lang="en-US" sz="2600" b="0" i="1" smtClean="0">
+                            <a:latin typeface="Cambria Math" panose="02040503050406030204" pitchFamily="18" charset="0"/>
+                            <a:ea typeface="Cambria Math" panose="02040503050406030204" pitchFamily="18" charset="0"/>
+                          </a:rPr>
+                          <m:t>∗</m:t>
+                        </m:r>
+                        <m:r>
+                          <a:rPr lang="en-US" sz="2600" b="0" i="1" smtClean="0">
+                            <a:latin typeface="Cambria Math" panose="02040503050406030204" pitchFamily="18" charset="0"/>
+                            <a:ea typeface="Cambria Math" panose="02040503050406030204" pitchFamily="18" charset="0"/>
+                          </a:rPr>
+                          <m:t>𝑇</m:t>
+                        </m:r>
+                        <m:r>
+                          <a:rPr lang="en-US" sz="2600" b="0" i="1" smtClean="0">
+                            <a:latin typeface="Cambria Math" panose="02040503050406030204" pitchFamily="18" charset="0"/>
+                            <a:ea typeface="Cambria Math" panose="02040503050406030204" pitchFamily="18" charset="0"/>
+                          </a:rPr>
+                          <m:t>∗</m:t>
+                        </m:r>
+                        <m:sSub>
+                          <m:sSubPr>
+                            <m:ctrlPr>
+                              <a:rPr lang="en-US" sz="2600" b="0" i="1" smtClean="0">
+                                <a:latin typeface="Cambria Math" panose="02040503050406030204" pitchFamily="18" charset="0"/>
+                                <a:ea typeface="Cambria Math" panose="02040503050406030204" pitchFamily="18" charset="0"/>
+                              </a:rPr>
+                            </m:ctrlPr>
+                          </m:sSubPr>
+                          <m:e>
+                            <m:r>
+                              <a:rPr lang="en-US" sz="2600" b="0" i="1" smtClean="0">
+                                <a:latin typeface="Cambria Math" panose="02040503050406030204" pitchFamily="18" charset="0"/>
+                                <a:ea typeface="Cambria Math" panose="02040503050406030204" pitchFamily="18" charset="0"/>
+                              </a:rPr>
+                              <m:t>𝑃</m:t>
+                            </m:r>
+                          </m:e>
+                          <m:sub>
+                            <m:r>
+                              <a:rPr lang="en-US" sz="2600" b="0" i="1" smtClean="0">
+                                <a:latin typeface="Cambria Math" panose="02040503050406030204" pitchFamily="18" charset="0"/>
+                                <a:ea typeface="Cambria Math" panose="02040503050406030204" pitchFamily="18" charset="0"/>
+                              </a:rPr>
+                              <m:t>0</m:t>
+                            </m:r>
+                          </m:sub>
+                        </m:sSub>
+                      </m:num>
+                      <m:den>
+                        <m:r>
+                          <a:rPr lang="en-US" sz="2600" b="0" i="1" smtClean="0">
+                            <a:latin typeface="Cambria Math" panose="02040503050406030204" pitchFamily="18" charset="0"/>
+                            <a:ea typeface="Cambria Math" panose="02040503050406030204" pitchFamily="18" charset="0"/>
+                          </a:rPr>
+                          <m:t>𝐿</m:t>
+                        </m:r>
+                        <m:r>
+                          <a:rPr lang="en-US" sz="2600" b="0" i="1" smtClean="0">
+                            <a:latin typeface="Cambria Math" panose="02040503050406030204" pitchFamily="18" charset="0"/>
+                            <a:ea typeface="Cambria Math" panose="02040503050406030204" pitchFamily="18" charset="0"/>
+                          </a:rPr>
+                          <m:t>∗</m:t>
+                        </m:r>
+                        <m:sSub>
+                          <m:sSubPr>
+                            <m:ctrlPr>
+                              <a:rPr lang="en-US" sz="2600" b="0" i="1" smtClean="0">
+                                <a:latin typeface="Cambria Math" panose="02040503050406030204" pitchFamily="18" charset="0"/>
+                                <a:ea typeface="Cambria Math" panose="02040503050406030204" pitchFamily="18" charset="0"/>
+                              </a:rPr>
+                            </m:ctrlPr>
+                          </m:sSubPr>
+                          <m:e>
+                            <m:r>
+                              <a:rPr lang="en-US" sz="2600" b="0" i="1" smtClean="0">
+                                <a:latin typeface="Cambria Math" panose="02040503050406030204" pitchFamily="18" charset="0"/>
+                                <a:ea typeface="Cambria Math" panose="02040503050406030204" pitchFamily="18" charset="0"/>
+                              </a:rPr>
+                              <m:t>𝑇</m:t>
+                            </m:r>
+                          </m:e>
+                          <m:sub>
+                            <m:r>
+                              <a:rPr lang="en-US" sz="2600" b="0" i="1" smtClean="0">
+                                <a:latin typeface="Cambria Math" panose="02040503050406030204" pitchFamily="18" charset="0"/>
+                                <a:ea typeface="Cambria Math" panose="02040503050406030204" pitchFamily="18" charset="0"/>
+                              </a:rPr>
+                              <m:t>0</m:t>
+                            </m:r>
+                          </m:sub>
+                        </m:sSub>
+                      </m:den>
+                    </m:f>
+                  </m:oMath>
+                </a14:m>
+                <a:endParaRPr lang="en-US" sz="2600" dirty="0">
+                  <a:latin typeface="Cambria Math" panose="02040503050406030204" pitchFamily="18" charset="0"/>
+                  <a:ea typeface="Cambria Math" panose="02040503050406030204" pitchFamily="18" charset="0"/>
+                </a:endParaRPr>
+              </a:p>
+              <a:p>
+                <a:endParaRPr lang="en-US" sz="1800" dirty="0">
+                  <a:latin typeface="Cambria Math" panose="02040503050406030204" pitchFamily="18" charset="0"/>
+                  <a:ea typeface="Cambria Math" panose="02040503050406030204" pitchFamily="18" charset="0"/>
+                </a:endParaRPr>
+              </a:p>
+              <a:p>
+                <a:pPr marL="0" indent="0">
+                  <a:buNone/>
+                </a:pPr>
+                <a:r>
+                  <a:rPr lang="nl-NL" b="1" dirty="0"/>
+                  <a:t>Werkwijze:</a:t>
+                </a:r>
+              </a:p>
+              <a:p>
+                <a:pPr lvl="1">
+                  <a:buFont typeface="Arial" panose="020B0604020202020204" pitchFamily="34" charset="0"/>
+                  <a:buChar char="•"/>
+                </a:pPr>
+                <a:r>
+                  <a:rPr lang="nl-NL" sz="2200" dirty="0"/>
+                  <a:t>Varieer de afstand van een spiegel</a:t>
+                </a:r>
+              </a:p>
+              <a:p>
+                <a:pPr marL="457200" lvl="1" indent="0">
+                  <a:buNone/>
+                </a:pPr>
+                <a:r>
+                  <a:rPr lang="nl-NL" sz="2200" dirty="0"/>
+                  <a:t>	</a:t>
+                </a:r>
+                <a:r>
+                  <a:rPr lang="nl-NL" sz="2200" b="1" dirty="0"/>
+                  <a:t>OF</a:t>
+                </a:r>
+              </a:p>
+              <a:p>
+                <a:pPr lvl="1">
+                  <a:buFont typeface="Arial" panose="020B0604020202020204" pitchFamily="34" charset="0"/>
+                  <a:buChar char="•"/>
+                </a:pPr>
+                <a:r>
+                  <a:rPr lang="nl-NL" sz="2200" dirty="0"/>
+                  <a:t>Zuig geleidelijk lucht uit de buis</a:t>
+                </a:r>
+              </a:p>
+              <a:p>
+                <a:pPr marL="457200" lvl="1" indent="0">
+                  <a:buNone/>
+                </a:pPr>
+                <a:r>
+                  <a:rPr lang="nl-NL" sz="1100" dirty="0"/>
+                  <a:t> </a:t>
+                </a:r>
+              </a:p>
+              <a:p>
+                <a:pPr lvl="1">
+                  <a:buFont typeface="Arial" panose="020B0604020202020204" pitchFamily="34" charset="0"/>
+                  <a:buChar char="•"/>
+                </a:pPr>
+                <a:r>
+                  <a:rPr lang="nl-NL" sz="2200" dirty="0"/>
+                  <a:t>Tel het aantal verschoven interferentielijnen</a:t>
+                </a:r>
+              </a:p>
+              <a:p>
+                <a:endParaRPr lang="en-US" sz="1800" dirty="0">
+                  <a:latin typeface="Cambria Math" panose="02040503050406030204" pitchFamily="18" charset="0"/>
+                  <a:ea typeface="Cambria Math" panose="02040503050406030204" pitchFamily="18" charset="0"/>
+                </a:endParaRPr>
+              </a:p>
+            </p:txBody>
+          </p:sp>
+        </mc:Choice>
+        <mc:Fallback>
+          <p:sp>
+            <p:nvSpPr>
+              <p:cNvPr id="2" name="Content Placeholder 1">
+                <a:extLst>
+                  <a:ext uri="{FF2B5EF4-FFF2-40B4-BE49-F238E27FC236}">
+                    <a16:creationId xmlns:a16="http://schemas.microsoft.com/office/drawing/2014/main" id="{6439FA9C-A3CE-0E2E-287E-6A87AD56D61C}"/>
+                  </a:ext>
+                </a:extLst>
+              </p:cNvPr>
+              <p:cNvSpPr>
+                <a:spLocks noGrp="1" noRot="1" noChangeAspect="1" noMove="1" noResize="1" noEditPoints="1" noAdjustHandles="1" noChangeArrowheads="1" noChangeShapeType="1" noTextEdit="1"/>
+              </p:cNvSpPr>
+              <p:nvPr>
+                <p:ph idx="1"/>
+              </p:nvPr>
+            </p:nvSpPr>
+            <p:spPr>
+              <a:blipFill>
+                <a:blip r:embed="rId3"/>
+                <a:stretch>
+                  <a:fillRect l="-717" t="-2322" b="-1503"/>
+                </a:stretch>
+              </a:blipFill>
+            </p:spPr>
+            <p:txBody>
+              <a:bodyPr/>
+              <a:lstStyle/>
+              <a:p>
+                <a:r>
+                  <a:rPr lang="en-BE">
+                    <a:noFill/>
+                  </a:rPr>
+                  <a:t> </a:t>
+                </a:r>
+              </a:p>
+            </p:txBody>
+          </p:sp>
+        </mc:Fallback>
+      </mc:AlternateContent>
+      <p:sp>
+        <p:nvSpPr>
+          <p:cNvPr id="3" name="Footer Placeholder 2">
+            <a:extLst>
+              <a:ext uri="{FF2B5EF4-FFF2-40B4-BE49-F238E27FC236}">
+                <a16:creationId xmlns:a16="http://schemas.microsoft.com/office/drawing/2014/main" id="{6C8EEF4C-5900-74A0-B383-3B028F8F2515}"/>
+              </a:ext>
+            </a:extLst>
+          </p:cNvPr>
+          <p:cNvSpPr>
+            <a:spLocks noGrp="1"/>
+          </p:cNvSpPr>
+          <p:nvPr>
+            <p:ph type="ftr" sz="quarter" idx="11"/>
+          </p:nvPr>
+        </p:nvSpPr>
+        <p:spPr/>
+        <p:txBody>
+          <a:bodyPr/>
+          <a:lstStyle/>
+          <a:p>
+            <a:r>
+              <a:rPr lang="nl-NL"/>
+              <a:t>Faculteit wetenschappen, departement fysica en sterrenkunde</a:t>
+            </a:r>
+          </a:p>
+        </p:txBody>
+      </p:sp>
+      <p:sp>
+        <p:nvSpPr>
+          <p:cNvPr id="4" name="Slide Number Placeholder 3">
+            <a:extLst>
+              <a:ext uri="{FF2B5EF4-FFF2-40B4-BE49-F238E27FC236}">
+                <a16:creationId xmlns:a16="http://schemas.microsoft.com/office/drawing/2014/main" id="{1335F2F7-C53E-2E3C-3BD5-4B142CC0153A}"/>
+              </a:ext>
+            </a:extLst>
+          </p:cNvPr>
+          <p:cNvSpPr>
+            <a:spLocks noGrp="1"/>
+          </p:cNvSpPr>
+          <p:nvPr>
+            <p:ph type="sldNum" sz="quarter" idx="12"/>
+          </p:nvPr>
+        </p:nvSpPr>
+        <p:spPr/>
+        <p:txBody>
+          <a:bodyPr/>
+          <a:lstStyle/>
+          <a:p>
+            <a:fld id="{0A297500-7527-634B-90F4-69D0994C32B4}" type="slidenum">
+              <a:rPr lang="nl-NL" smtClean="0"/>
+              <a:t>7</a:t>
+            </a:fld>
+            <a:endParaRPr lang="nl-NL"/>
+          </a:p>
+        </p:txBody>
+      </p:sp>
+      <p:sp>
+        <p:nvSpPr>
+          <p:cNvPr id="5" name="Title 4">
+            <a:extLst>
+              <a:ext uri="{FF2B5EF4-FFF2-40B4-BE49-F238E27FC236}">
+                <a16:creationId xmlns:a16="http://schemas.microsoft.com/office/drawing/2014/main" id="{CD238B9E-9CFB-C9D6-A692-4AFA8BFCD966}"/>
+              </a:ext>
+            </a:extLst>
+          </p:cNvPr>
+          <p:cNvSpPr>
+            <a:spLocks noGrp="1"/>
+          </p:cNvSpPr>
+          <p:nvPr>
+            <p:ph type="title"/>
+          </p:nvPr>
+        </p:nvSpPr>
+        <p:spPr/>
+        <p:txBody>
+          <a:bodyPr/>
+          <a:lstStyle/>
+          <a:p>
+            <a:r>
+              <a:rPr lang="nl-BE" dirty="0"/>
+              <a:t>Michelson Interferometer</a:t>
+            </a:r>
+            <a:endParaRPr lang="en-BE" dirty="0"/>
+          </a:p>
+        </p:txBody>
+      </p:sp>
+      <p:pic>
+        <p:nvPicPr>
+          <p:cNvPr id="7" name="Picture 6">
+            <a:extLst>
+              <a:ext uri="{FF2B5EF4-FFF2-40B4-BE49-F238E27FC236}">
+                <a16:creationId xmlns:a16="http://schemas.microsoft.com/office/drawing/2014/main" id="{94598DB2-5E9A-9604-5C11-1413E1BBE885}"/>
+              </a:ext>
+            </a:extLst>
+          </p:cNvPr>
+          <p:cNvPicPr>
+            <a:picLocks noChangeAspect="1"/>
+          </p:cNvPicPr>
+          <p:nvPr/>
+        </p:nvPicPr>
+        <p:blipFill>
+          <a:blip r:embed="rId4"/>
+          <a:stretch>
+            <a:fillRect/>
+          </a:stretch>
+        </p:blipFill>
+        <p:spPr>
+          <a:xfrm>
+            <a:off x="7129571" y="3016405"/>
+            <a:ext cx="5062429" cy="2479171"/>
+          </a:xfrm>
+          <a:prstGeom prst="rect">
+            <a:avLst/>
+          </a:prstGeom>
+        </p:spPr>
+      </p:pic>
+      <p:sp>
+        <p:nvSpPr>
+          <p:cNvPr id="8" name="Left Brace 7">
+            <a:extLst>
+              <a:ext uri="{FF2B5EF4-FFF2-40B4-BE49-F238E27FC236}">
+                <a16:creationId xmlns:a16="http://schemas.microsoft.com/office/drawing/2014/main" id="{F23F1EB6-847D-37C2-E389-24D319D36F72}"/>
+              </a:ext>
+            </a:extLst>
+          </p:cNvPr>
+          <p:cNvSpPr/>
+          <p:nvPr/>
+        </p:nvSpPr>
+        <p:spPr>
+          <a:xfrm>
+            <a:off x="1020337" y="4689091"/>
+            <a:ext cx="289931" cy="758282"/>
+          </a:xfrm>
+          <a:prstGeom prst="leftBrace">
+            <a:avLst/>
+          </a:prstGeom>
+          <a:ln w="57150">
+            <a:solidFill>
+              <a:schemeClr val="tx1"/>
+            </a:solidFill>
+          </a:ln>
+        </p:spPr>
+        <p:style>
+          <a:lnRef idx="1">
+            <a:schemeClr val="accent1"/>
+          </a:lnRef>
+          <a:fillRef idx="0">
+            <a:schemeClr val="accent1"/>
+          </a:fillRef>
+          <a:effectRef idx="0">
+            <a:schemeClr val="accent1"/>
+          </a:effectRef>
+          <a:fontRef idx="minor">
+            <a:schemeClr val="tx1"/>
+          </a:fontRef>
+        </p:style>
+        <p:txBody>
+          <a:bodyPr rtlCol="0" anchor="ctr"/>
+          <a:lstStyle/>
+          <a:p>
+            <a:pPr algn="ctr"/>
+            <a:endParaRPr lang="en-BE"/>
+          </a:p>
+        </p:txBody>
+      </p:sp>
+    </p:spTree>
+    <p:extLst>
+      <p:ext uri="{BB962C8B-B14F-4D97-AF65-F5344CB8AC3E}">
+        <p14:creationId xmlns:p14="http://schemas.microsoft.com/office/powerpoint/2010/main" val="2714090519"/>
+      </p:ext>
+    </p:extLst>
+  </p:cSld>
+  <p:clrMapOvr>
+    <a:masterClrMapping/>
+  </p:clrMapOvr>
+</p:sld>
+</file>
+
+<file path=ppt/slides/slide8.xml><?xml version="1.0" encoding="utf-8"?>
+<p:sld xmlns:a="http://schemas.openxmlformats.org/drawingml/2006/main" xmlns:r="http://schemas.openxmlformats.org/officeDocument/2006/relationships" xmlns:p="http://schemas.openxmlformats.org/presentationml/2006/main">
+  <p:cSld>
+    <p:spTree>
+      <p:nvGrpSpPr>
+        <p:cNvPr id="1" name="">
+          <a:extLst>
+            <a:ext uri="{FF2B5EF4-FFF2-40B4-BE49-F238E27FC236}">
+              <a16:creationId xmlns:a16="http://schemas.microsoft.com/office/drawing/2014/main" id="{B80AEC71-CDA4-1383-4002-2F5323BC5EFC}"/>
+            </a:ext>
+          </a:extLst>
+        </p:cNvPr>
+        <p:cNvGrpSpPr/>
+        <p:nvPr/>
+      </p:nvGrpSpPr>
+      <p:grpSpPr>
+        <a:xfrm>
+          <a:off x="0" y="0"/>
+          <a:ext cx="0" cy="0"/>
+          <a:chOff x="0" y="0"/>
+          <a:chExt cx="0" cy="0"/>
+        </a:xfrm>
+      </p:grpSpPr>
+      <mc:AlternateContent xmlns:mc="http://schemas.openxmlformats.org/markup-compatibility/2006">
+        <mc:Choice xmlns:a14="http://schemas.microsoft.com/office/drawing/2010/main" Requires="a14">
+          <p:sp>
+            <p:nvSpPr>
+              <p:cNvPr id="2" name="Content Placeholder 1">
+                <a:extLst>
+                  <a:ext uri="{FF2B5EF4-FFF2-40B4-BE49-F238E27FC236}">
+                    <a16:creationId xmlns:a16="http://schemas.microsoft.com/office/drawing/2014/main" id="{8B96AC3C-EC28-DDB9-84CC-F31E239BD8C4}"/>
+                  </a:ext>
+                </a:extLst>
+              </p:cNvPr>
+              <p:cNvSpPr>
+                <a:spLocks noGrp="1"/>
+              </p:cNvSpPr>
+              <p:nvPr>
+                <p:ph idx="1"/>
+              </p:nvPr>
+            </p:nvSpPr>
+            <p:spPr/>
+            <p:txBody>
+              <a:bodyPr/>
+              <a:lstStyle/>
+              <a:p>
+                <a:pPr>
+                  <a:buNone/>
+                </a:pPr>
+                <a:r>
+                  <a:rPr lang="nl-NL" b="1" dirty="0"/>
+                  <a:t>Metingen:</a:t>
+                </a:r>
+                <a:endParaRPr lang="nl-NL" dirty="0"/>
+              </a:p>
+              <a:p>
+                <a:pPr lvl="1">
+                  <a:buFont typeface="Arial" panose="020B0604020202020204" pitchFamily="34" charset="0"/>
+                  <a:buChar char="•"/>
+                </a:pPr>
+                <a:r>
+                  <a:rPr lang="nl-NL" sz="2000" dirty="0"/>
+                  <a:t>Twee afzonderlijke metingen werden uitgevoerd</a:t>
+                </a:r>
+              </a:p>
+              <a:p>
+                <a:pPr lvl="1">
+                  <a:buFont typeface="Arial" panose="020B0604020202020204" pitchFamily="34" charset="0"/>
+                  <a:buChar char="•"/>
+                </a:pPr>
+                <a:r>
+                  <a:rPr lang="nl-NL" sz="2000" dirty="0"/>
+                  <a:t>In beide gevallen werd </a:t>
+                </a:r>
+                <a14:m>
+                  <m:oMath xmlns:m="http://schemas.openxmlformats.org/officeDocument/2006/math">
+                    <m:r>
+                      <a:rPr lang="en-US" sz="2000" b="0" i="1" smtClean="0">
+                        <a:latin typeface="Cambria Math" panose="02040503050406030204" pitchFamily="18" charset="0"/>
+                      </a:rPr>
+                      <m:t>𝑀</m:t>
+                    </m:r>
+                  </m:oMath>
+                </a14:m>
+                <a:r>
+                  <a:rPr lang="nl-NL" sz="2000" dirty="0"/>
+                  <a:t> nauwkeurig geteld en </a:t>
+                </a:r>
+                <a14:m>
+                  <m:oMath xmlns:m="http://schemas.openxmlformats.org/officeDocument/2006/math">
+                    <m:r>
+                      <a:rPr lang="en-US" sz="2000" b="0" i="1" smtClean="0">
+                        <a:latin typeface="Cambria Math" panose="02040503050406030204" pitchFamily="18" charset="0"/>
+                      </a:rPr>
+                      <m:t>𝐿</m:t>
+                    </m:r>
+                  </m:oMath>
+                </a14:m>
+                <a:r>
+                  <a:rPr lang="nl-NL" sz="2000" dirty="0"/>
+                  <a:t> of </a:t>
+                </a:r>
+                <a14:m>
+                  <m:oMath xmlns:m="http://schemas.openxmlformats.org/officeDocument/2006/math">
+                    <m:r>
+                      <a:rPr lang="en-US" sz="2000" b="0" i="1" smtClean="0">
+                        <a:latin typeface="Cambria Math" panose="02040503050406030204" pitchFamily="18" charset="0"/>
+                      </a:rPr>
+                      <m:t>𝑃</m:t>
+                    </m:r>
+                  </m:oMath>
+                </a14:m>
+                <a:r>
+                  <a:rPr lang="nl-NL" sz="2000" dirty="0"/>
+                  <a:t> gevarieerd</a:t>
+                </a:r>
+              </a:p>
+              <a:p>
+                <a:pPr>
+                  <a:buFont typeface="Arial" panose="020B0604020202020204" pitchFamily="34" charset="0"/>
+                  <a:buChar char="•"/>
+                </a:pPr>
+                <a:endParaRPr lang="nl-NL" dirty="0"/>
+              </a:p>
+              <a:p>
+                <a:pPr>
+                  <a:buNone/>
+                </a:pPr>
+                <a:r>
+                  <a:rPr lang="nl-NL" b="1" dirty="0"/>
+                  <a:t>Resultaat:</a:t>
+                </a:r>
+              </a:p>
+              <a:p>
+                <a:pPr lvl="1"/>
+                <a:r>
+                  <a:rPr lang="nl-BE" sz="2000" dirty="0"/>
+                  <a:t>Golflengte laser: </a:t>
+                </a:r>
+                <a14:m>
+                  <m:oMath xmlns:m="http://schemas.openxmlformats.org/officeDocument/2006/math">
+                    <m:r>
+                      <a:rPr lang="en-US" sz="2000" b="0" i="1" smtClean="0">
+                        <a:latin typeface="Cambria Math" panose="02040503050406030204" pitchFamily="18" charset="0"/>
+                      </a:rPr>
+                      <m:t>655</m:t>
+                    </m:r>
+                    <m:r>
+                      <a:rPr lang="en-US" sz="2000" b="0" i="1" smtClean="0">
+                        <a:latin typeface="Cambria Math" panose="02040503050406030204" pitchFamily="18" charset="0"/>
+                        <a:ea typeface="Cambria Math" panose="02040503050406030204" pitchFamily="18" charset="0"/>
+                      </a:rPr>
+                      <m:t>± </m:t>
+                    </m:r>
+                    <m:r>
+                      <a:rPr lang="en-US" sz="2000" b="0" i="1" smtClean="0">
+                        <a:latin typeface="Cambria Math" panose="02040503050406030204" pitchFamily="18" charset="0"/>
+                        <a:ea typeface="Cambria Math" panose="02040503050406030204" pitchFamily="18" charset="0"/>
+                      </a:rPr>
+                      <m:t>𝑛𝑚</m:t>
+                    </m:r>
+                  </m:oMath>
+                </a14:m>
+                <a:endParaRPr lang="en-US" sz="2000" b="0" dirty="0">
+                  <a:ea typeface="Cambria Math" panose="02040503050406030204" pitchFamily="18" charset="0"/>
+                </a:endParaRPr>
+              </a:p>
+              <a:p>
+                <a:pPr lvl="1"/>
+                <a:r>
+                  <a:rPr lang="nl-NL" sz="2000" dirty="0"/>
+                  <a:t>Berekende brekingsindexen:</a:t>
+                </a:r>
+              </a:p>
+              <a:p>
+                <a:pPr lvl="2"/>
+                <a14:m>
+                  <m:oMath xmlns:m="http://schemas.openxmlformats.org/officeDocument/2006/math">
+                    <m:r>
+                      <a:rPr lang="en-US" b="0" i="1" smtClean="0">
+                        <a:latin typeface="Cambria Math" panose="02040503050406030204" pitchFamily="18" charset="0"/>
+                      </a:rPr>
+                      <m:t>𝑛</m:t>
+                    </m:r>
+                    <m:r>
+                      <a:rPr lang="en-US" b="0" i="1" smtClean="0">
+                        <a:latin typeface="Cambria Math" panose="02040503050406030204" pitchFamily="18" charset="0"/>
+                      </a:rPr>
+                      <m:t>=1,000226±</m:t>
+                    </m:r>
+                  </m:oMath>
+                </a14:m>
+                <a:r>
+                  <a:rPr lang="nl-NL" dirty="0"/>
+                  <a:t> </a:t>
+                </a:r>
+                <a:r>
+                  <a:rPr lang="nl-NL" sz="1600" dirty="0">
+                    <a:solidFill>
+                      <a:schemeClr val="tx2"/>
+                    </a:solidFill>
+                  </a:rPr>
+                  <a:t>(theoretisch: 1.00029)</a:t>
+                </a:r>
+              </a:p>
+              <a:p>
+                <a:pPr lvl="2"/>
+                <a14:m>
+                  <m:oMath xmlns:m="http://schemas.openxmlformats.org/officeDocument/2006/math">
+                    <m:r>
+                      <a:rPr lang="nl-NL" i="1" dirty="0" smtClean="0">
+                        <a:latin typeface="Cambria Math" panose="02040503050406030204" pitchFamily="18" charset="0"/>
+                      </a:rPr>
+                      <m:t>𝑛</m:t>
+                    </m:r>
+                    <m:r>
+                      <a:rPr lang="nl-NL" i="1" dirty="0" smtClean="0">
+                        <a:latin typeface="Cambria Math" panose="02040503050406030204" pitchFamily="18" charset="0"/>
+                      </a:rPr>
+                      <m:t>=1.000369 </m:t>
+                    </m:r>
+                  </m:oMath>
+                </a14:m>
+                <a:r>
+                  <a:rPr lang="nl-NL" sz="1600" dirty="0">
+                    <a:solidFill>
+                      <a:schemeClr val="tx2"/>
+                    </a:solidFill>
+                  </a:rPr>
+                  <a:t>(theoretisch: 1.00045)</a:t>
+                </a:r>
+              </a:p>
+              <a:p>
+                <a:pPr lvl="1"/>
+                <a:endParaRPr lang="nl-NL" dirty="0"/>
+              </a:p>
+            </p:txBody>
+          </p:sp>
+        </mc:Choice>
+        <mc:Fallback>
+          <p:sp>
+            <p:nvSpPr>
+              <p:cNvPr id="2" name="Content Placeholder 1">
+                <a:extLst>
+                  <a:ext uri="{FF2B5EF4-FFF2-40B4-BE49-F238E27FC236}">
+                    <a16:creationId xmlns:a16="http://schemas.microsoft.com/office/drawing/2014/main" id="{8B96AC3C-EC28-DDB9-84CC-F31E239BD8C4}"/>
+                  </a:ext>
+                </a:extLst>
+              </p:cNvPr>
+              <p:cNvSpPr>
+                <a:spLocks noGrp="1" noRot="1" noChangeAspect="1" noMove="1" noResize="1" noEditPoints="1" noAdjustHandles="1" noChangeArrowheads="1" noChangeShapeType="1" noTextEdit="1"/>
+              </p:cNvSpPr>
+              <p:nvPr>
+                <p:ph idx="1"/>
+              </p:nvPr>
+            </p:nvSpPr>
+            <p:spPr>
+              <a:blipFill>
+                <a:blip r:embed="rId2"/>
+                <a:stretch>
+                  <a:fillRect l="-828" t="-956"/>
+                </a:stretch>
+              </a:blipFill>
+            </p:spPr>
+            <p:txBody>
+              <a:bodyPr/>
+              <a:lstStyle/>
+              <a:p>
+                <a:r>
+                  <a:rPr lang="en-BE">
+                    <a:noFill/>
+                  </a:rPr>
+                  <a:t> </a:t>
+                </a:r>
+              </a:p>
+            </p:txBody>
+          </p:sp>
+        </mc:Fallback>
+      </mc:AlternateContent>
+      <p:sp>
+        <p:nvSpPr>
+          <p:cNvPr id="3" name="Footer Placeholder 2">
+            <a:extLst>
+              <a:ext uri="{FF2B5EF4-FFF2-40B4-BE49-F238E27FC236}">
+                <a16:creationId xmlns:a16="http://schemas.microsoft.com/office/drawing/2014/main" id="{0693C028-1719-A18F-3509-06BF5DEE51FD}"/>
+              </a:ext>
+            </a:extLst>
+          </p:cNvPr>
+          <p:cNvSpPr>
+            <a:spLocks noGrp="1"/>
+          </p:cNvSpPr>
+          <p:nvPr>
+            <p:ph type="ftr" sz="quarter" idx="11"/>
+          </p:nvPr>
+        </p:nvSpPr>
+        <p:spPr/>
+        <p:txBody>
+          <a:bodyPr/>
+          <a:lstStyle/>
+          <a:p>
+            <a:r>
+              <a:rPr lang="nl-NL"/>
+              <a:t>Faculteit wetenschappen, departement fysica en sterrenkunde</a:t>
+            </a:r>
+          </a:p>
+        </p:txBody>
+      </p:sp>
+      <p:sp>
+        <p:nvSpPr>
+          <p:cNvPr id="4" name="Slide Number Placeholder 3">
+            <a:extLst>
+              <a:ext uri="{FF2B5EF4-FFF2-40B4-BE49-F238E27FC236}">
+                <a16:creationId xmlns:a16="http://schemas.microsoft.com/office/drawing/2014/main" id="{97159379-5158-E663-9DCC-6BCF29913907}"/>
+              </a:ext>
+            </a:extLst>
+          </p:cNvPr>
+          <p:cNvSpPr>
+            <a:spLocks noGrp="1"/>
+          </p:cNvSpPr>
+          <p:nvPr>
+            <p:ph type="sldNum" sz="quarter" idx="12"/>
+          </p:nvPr>
+        </p:nvSpPr>
+        <p:spPr/>
+        <p:txBody>
+          <a:bodyPr/>
+          <a:lstStyle/>
+          <a:p>
+            <a:fld id="{0A297500-7527-634B-90F4-69D0994C32B4}" type="slidenum">
+              <a:rPr lang="nl-NL" smtClean="0"/>
+              <a:t>8</a:t>
+            </a:fld>
+            <a:endParaRPr lang="nl-NL"/>
+          </a:p>
+        </p:txBody>
+      </p:sp>
+      <p:sp>
+        <p:nvSpPr>
+          <p:cNvPr id="5" name="Title 4">
+            <a:extLst>
+              <a:ext uri="{FF2B5EF4-FFF2-40B4-BE49-F238E27FC236}">
+                <a16:creationId xmlns:a16="http://schemas.microsoft.com/office/drawing/2014/main" id="{846A16AF-E49F-4320-751F-A3F90E19632B}"/>
+              </a:ext>
+            </a:extLst>
+          </p:cNvPr>
+          <p:cNvSpPr>
+            <a:spLocks noGrp="1"/>
+          </p:cNvSpPr>
+          <p:nvPr>
+            <p:ph type="title"/>
+          </p:nvPr>
+        </p:nvSpPr>
+        <p:spPr/>
+        <p:txBody>
+          <a:bodyPr/>
+          <a:lstStyle/>
+          <a:p>
+            <a:r>
+              <a:rPr lang="nl-BE" dirty="0"/>
+              <a:t>Michelson Interferometer</a:t>
+            </a:r>
+            <a:endParaRPr lang="en-BE" dirty="0"/>
+          </a:p>
+        </p:txBody>
+      </p:sp>
+    </p:spTree>
+    <p:extLst>
+      <p:ext uri="{BB962C8B-B14F-4D97-AF65-F5344CB8AC3E}">
+        <p14:creationId xmlns:p14="http://schemas.microsoft.com/office/powerpoint/2010/main" val="234690791"/>
+      </p:ext>
+    </p:extLst>
+  </p:cSld>
+  <p:clrMapOvr>
+    <a:masterClrMapping/>
+  </p:clrMapOvr>
+</p:sld>
+</file>
+
+<file path=ppt/slides/slide9.xml><?xml version="1.0" encoding="utf-8"?>
+<p:sld xmlns:a="http://schemas.openxmlformats.org/drawingml/2006/main" xmlns:r="http://schemas.openxmlformats.org/officeDocument/2006/relationships" xmlns:p="http://schemas.openxmlformats.org/presentationml/2006/main">
+  <p:cSld>
+    <p:spTree>
+      <p:nvGrpSpPr>
+        <p:cNvPr id="1" name="">
+          <a:extLst>
+            <a:ext uri="{FF2B5EF4-FFF2-40B4-BE49-F238E27FC236}">
+              <a16:creationId xmlns:a16="http://schemas.microsoft.com/office/drawing/2014/main" id="{30072B5D-1811-76CE-A500-D0D0E385859F}"/>
+            </a:ext>
+          </a:extLst>
+        </p:cNvPr>
+        <p:cNvGrpSpPr/>
+        <p:nvPr/>
+      </p:nvGrpSpPr>
+      <p:grpSpPr>
+        <a:xfrm>
+          <a:off x="0" y="0"/>
+          <a:ext cx="0" cy="0"/>
+          <a:chOff x="0" y="0"/>
+          <a:chExt cx="0" cy="0"/>
+        </a:xfrm>
+      </p:grpSpPr>
+      <p:sp>
+        <p:nvSpPr>
+          <p:cNvPr id="2" name="Content Placeholder 1">
+            <a:extLst>
+              <a:ext uri="{FF2B5EF4-FFF2-40B4-BE49-F238E27FC236}">
+                <a16:creationId xmlns:a16="http://schemas.microsoft.com/office/drawing/2014/main" id="{94B29868-1019-595B-45AD-9A3BEDCBF39F}"/>
+              </a:ext>
+            </a:extLst>
+          </p:cNvPr>
+          <p:cNvSpPr>
+            <a:spLocks noGrp="1"/>
+          </p:cNvSpPr>
+          <p:nvPr>
+            <p:ph idx="1"/>
+          </p:nvPr>
+        </p:nvSpPr>
+        <p:spPr/>
+        <p:txBody>
+          <a:bodyPr/>
+          <a:lstStyle/>
+          <a:p>
+            <a:pPr>
+              <a:buNone/>
+            </a:pPr>
+            <a:r>
+              <a:rPr lang="nl-NL" b="1" dirty="0"/>
+              <a:t>discussie:</a:t>
+            </a:r>
+            <a:endParaRPr lang="nl-NL" dirty="0"/>
+          </a:p>
+          <a:p>
+            <a:pPr lvl="1">
+              <a:buFont typeface="Arial" panose="020B0604020202020204" pitchFamily="34" charset="0"/>
+              <a:buChar char="•"/>
+            </a:pPr>
+            <a:r>
+              <a:rPr lang="nl-NL" sz="2000" dirty="0"/>
+              <a:t>Kleine afwijking van de theoretische waarde (</a:t>
+            </a:r>
+            <a:r>
+              <a:rPr lang="nl-NL" sz="2000" dirty="0">
+                <a:solidFill>
+                  <a:srgbClr val="FF0000"/>
+                </a:solidFill>
+              </a:rPr>
+              <a:t>xx</a:t>
+            </a:r>
+            <a:r>
+              <a:rPr lang="nl-NL" sz="2000" dirty="0"/>
+              <a:t>%)</a:t>
+            </a:r>
+          </a:p>
+          <a:p>
+            <a:pPr lvl="1">
+              <a:buFont typeface="Arial" panose="020B0604020202020204" pitchFamily="34" charset="0"/>
+              <a:buChar char="•"/>
+            </a:pPr>
+            <a:r>
+              <a:rPr lang="nl-NL" sz="2000" dirty="0"/>
+              <a:t>Mogelijke fouten: </a:t>
+            </a:r>
+          </a:p>
+          <a:p>
+            <a:pPr lvl="2">
+              <a:buFont typeface="Arial" panose="020B0604020202020204" pitchFamily="34" charset="0"/>
+              <a:buChar char="•"/>
+            </a:pPr>
+            <a:r>
+              <a:rPr lang="nl-NL" sz="1600" dirty="0"/>
+              <a:t>onnauwkeurig tellen van franjes</a:t>
+            </a:r>
+          </a:p>
+          <a:p>
+            <a:pPr lvl="2">
+              <a:buFont typeface="Arial" panose="020B0604020202020204" pitchFamily="34" charset="0"/>
+              <a:buChar char="•"/>
+            </a:pPr>
+            <a:r>
+              <a:rPr lang="nl-NL" sz="1600" dirty="0"/>
+              <a:t>Beperkt aantal metingen van</a:t>
+            </a:r>
+          </a:p>
+          <a:p>
+            <a:pPr lvl="2">
+              <a:buFont typeface="Arial" panose="020B0604020202020204" pitchFamily="34" charset="0"/>
+              <a:buChar char="•"/>
+            </a:pPr>
+            <a:r>
+              <a:rPr lang="nl-NL" sz="1600" dirty="0"/>
+              <a:t>Instabiliteit in druk</a:t>
+            </a:r>
+          </a:p>
+          <a:p>
+            <a:pPr lvl="2">
+              <a:buFont typeface="Arial" panose="020B0604020202020204" pitchFamily="34" charset="0"/>
+              <a:buChar char="•"/>
+            </a:pPr>
+            <a:endParaRPr lang="nl-NL" dirty="0"/>
+          </a:p>
+          <a:p>
+            <a:pPr>
+              <a:buNone/>
+            </a:pPr>
+            <a:r>
+              <a:rPr lang="nl-NL" b="1" dirty="0"/>
+              <a:t>Conclusie:</a:t>
+            </a:r>
+          </a:p>
+          <a:p>
+            <a:pPr lvl="1"/>
+            <a:r>
+              <a:rPr lang="nl-NL" sz="2000" dirty="0"/>
+              <a:t>De brekingsindex van lucht werd succesvol gemeten</a:t>
+            </a:r>
+          </a:p>
+          <a:p>
+            <a:pPr lvl="1"/>
+            <a:r>
+              <a:rPr lang="nl-NL" sz="2000" dirty="0"/>
+              <a:t>Resultaten bevestigen de theorie binnen de experimentele foutenmarge</a:t>
+            </a:r>
+          </a:p>
+        </p:txBody>
+      </p:sp>
+      <p:sp>
+        <p:nvSpPr>
+          <p:cNvPr id="3" name="Footer Placeholder 2">
+            <a:extLst>
+              <a:ext uri="{FF2B5EF4-FFF2-40B4-BE49-F238E27FC236}">
+                <a16:creationId xmlns:a16="http://schemas.microsoft.com/office/drawing/2014/main" id="{EA4ECA1D-E9F4-75E7-74B8-4D72D80B5BA0}"/>
+              </a:ext>
+            </a:extLst>
+          </p:cNvPr>
+          <p:cNvSpPr>
+            <a:spLocks noGrp="1"/>
+          </p:cNvSpPr>
+          <p:nvPr>
+            <p:ph type="ftr" sz="quarter" idx="11"/>
+          </p:nvPr>
+        </p:nvSpPr>
+        <p:spPr/>
+        <p:txBody>
+          <a:bodyPr/>
+          <a:lstStyle/>
+          <a:p>
+            <a:r>
+              <a:rPr lang="nl-NL"/>
+              <a:t>Faculteit wetenschappen, departement fysica en sterrenkunde</a:t>
+            </a:r>
+          </a:p>
+        </p:txBody>
+      </p:sp>
+      <p:sp>
+        <p:nvSpPr>
+          <p:cNvPr id="4" name="Slide Number Placeholder 3">
+            <a:extLst>
+              <a:ext uri="{FF2B5EF4-FFF2-40B4-BE49-F238E27FC236}">
+                <a16:creationId xmlns:a16="http://schemas.microsoft.com/office/drawing/2014/main" id="{DEE3F8D2-F9D0-F758-F75F-8956F6E07444}"/>
+              </a:ext>
+            </a:extLst>
+          </p:cNvPr>
+          <p:cNvSpPr>
+            <a:spLocks noGrp="1"/>
+          </p:cNvSpPr>
+          <p:nvPr>
+            <p:ph type="sldNum" sz="quarter" idx="12"/>
+          </p:nvPr>
+        </p:nvSpPr>
+        <p:spPr/>
+        <p:txBody>
+          <a:bodyPr/>
+          <a:lstStyle/>
+          <a:p>
+            <a:fld id="{0A297500-7527-634B-90F4-69D0994C32B4}" type="slidenum">
+              <a:rPr lang="nl-NL" smtClean="0"/>
+              <a:t>9</a:t>
+            </a:fld>
+            <a:endParaRPr lang="nl-NL"/>
+          </a:p>
+        </p:txBody>
+      </p:sp>
+      <p:sp>
+        <p:nvSpPr>
+          <p:cNvPr id="5" name="Title 4">
+            <a:extLst>
+              <a:ext uri="{FF2B5EF4-FFF2-40B4-BE49-F238E27FC236}">
+                <a16:creationId xmlns:a16="http://schemas.microsoft.com/office/drawing/2014/main" id="{B79399DF-6145-38C1-6E4D-A6C02462C645}"/>
+              </a:ext>
+            </a:extLst>
+          </p:cNvPr>
+          <p:cNvSpPr>
+            <a:spLocks noGrp="1"/>
+          </p:cNvSpPr>
+          <p:nvPr>
+            <p:ph type="title"/>
+          </p:nvPr>
+        </p:nvSpPr>
+        <p:spPr/>
+        <p:txBody>
+          <a:bodyPr/>
+          <a:lstStyle/>
+          <a:p>
+            <a:r>
+              <a:rPr lang="nl-BE" dirty="0"/>
+              <a:t>Michelson Interferometer</a:t>
+            </a:r>
+            <a:endParaRPr lang="en-BE" dirty="0"/>
+          </a:p>
+        </p:txBody>
+      </p:sp>
+    </p:spTree>
+    <p:extLst>
+      <p:ext uri="{BB962C8B-B14F-4D97-AF65-F5344CB8AC3E}">
+        <p14:creationId xmlns:p14="http://schemas.microsoft.com/office/powerpoint/2010/main" val="1917493396"/>
       </p:ext>
     </p:extLst>
   </p:cSld>

--- a/Practicum13_(Advanced_2)/Geavanceerde-proeven.pptx
+++ b/Practicum13_(Advanced_2)/Geavanceerde-proeven.pptx
@@ -5301,7 +5301,7 @@
             </a:r>
             <a:r>
               <a:rPr lang="en-US" sz="1600" dirty="0"/>
-              <a:t>(r…….)</a:t>
+              <a:t>(r0948668)</a:t>
             </a:r>
           </a:p>
           <a:p>
@@ -5339,8 +5339,16 @@
           <a:lstStyle/>
           <a:p>
             <a:r>
+              <a:rPr lang="en-US" dirty="0" err="1"/>
+              <a:t>Geavanceerde</a:t>
+            </a:r>
+            <a:r>
               <a:rPr lang="en-US" dirty="0"/>
-              <a:t>Titel</a:t>
+              <a:t> </a:t>
+            </a:r>
+            <a:r>
+              <a:rPr lang="en-US" dirty="0" err="1"/>
+              <a:t>proeven</a:t>
             </a:r>
             <a:endParaRPr lang="en-BE" dirty="0"/>
           </a:p>
@@ -5433,7 +5441,7 @@
             </a:r>
             <a:r>
               <a:rPr lang="en-US" dirty="0" err="1"/>
-              <a:t>electronen</a:t>
+              <a:t>elektronen</a:t>
             </a:r>
             <a:endParaRPr lang="en-BE" dirty="0"/>
           </a:p>
@@ -5567,6 +5575,13 @@
           </p:nvPr>
         </p:nvSpPr>
         <p:spPr/>
+        <p:txBody>
+          <a:bodyPr/>
+          <a:lstStyle/>
+          <a:p>
+            <a:endParaRPr lang="en-GB"/>
+          </a:p>
+        </p:txBody>
       </p:sp>
       <p:sp>
         <p:nvSpPr>
@@ -5585,6 +5600,13 @@
           </p:nvPr>
         </p:nvSpPr>
         <p:spPr/>
+        <p:txBody>
+          <a:bodyPr/>
+          <a:lstStyle/>
+          <a:p>
+            <a:endParaRPr lang="en-GB"/>
+          </a:p>
+        </p:txBody>
       </p:sp>
     </p:spTree>
     <p:extLst>
@@ -5616,8 +5638,8 @@
           <a:chExt cx="0" cy="0"/>
         </a:xfrm>
       </p:grpSpPr>
-      <mc:AlternateContent xmlns:mc="http://schemas.openxmlformats.org/markup-compatibility/2006">
-        <mc:Choice xmlns:a14="http://schemas.microsoft.com/office/drawing/2010/main" Requires="a14">
+      <mc:AlternateContent xmlns:mc="http://schemas.openxmlformats.org/markup-compatibility/2006" xmlns:a14="http://schemas.microsoft.com/office/drawing/2010/main">
+        <mc:Choice Requires="a14">
           <p:sp>
             <p:nvSpPr>
               <p:cNvPr id="2" name="Content Placeholder 1">
@@ -5948,7 +5970,7 @@
             </p:txBody>
           </p:sp>
         </mc:Choice>
-        <mc:Fallback>
+        <mc:Fallback xmlns="">
           <p:sp>
             <p:nvSpPr>
               <p:cNvPr id="2" name="Content Placeholder 1">
@@ -6072,7 +6094,7 @@
             </a:r>
             <a:r>
               <a:rPr lang="en-US" dirty="0" err="1"/>
-              <a:t>electronen</a:t>
+              <a:t>elektronen</a:t>
             </a:r>
             <a:endParaRPr lang="en-BE" dirty="0"/>
           </a:p>
@@ -6744,7 +6766,7 @@
             </a:r>
             <a:r>
               <a:rPr lang="en-US" dirty="0" err="1"/>
-              <a:t>electronen</a:t>
+              <a:t>elektronen</a:t>
             </a:r>
             <a:endParaRPr lang="en-BE" dirty="0"/>
           </a:p>
@@ -6752,10 +6774,10 @@
       </p:sp>
       <p:pic>
         <p:nvPicPr>
-          <p:cNvPr id="10" name="Picture 9">
+          <p:cNvPr id="7" name="Picture 6" descr="A graph of a graph&#10;&#10;AI-generated content may be incorrect.">
             <a:extLst>
               <a:ext uri="{FF2B5EF4-FFF2-40B4-BE49-F238E27FC236}">
-                <a16:creationId xmlns:a16="http://schemas.microsoft.com/office/drawing/2014/main" id="{D883C844-4C23-0985-E230-D394709A9DEA}"/>
+                <a16:creationId xmlns:a16="http://schemas.microsoft.com/office/drawing/2014/main" id="{68F4D0CE-49D1-635D-1E3B-58309AC782E4}"/>
               </a:ext>
             </a:extLst>
           </p:cNvPr>
@@ -6772,58 +6794,14 @@
         </p:blipFill>
         <p:spPr>
           <a:xfrm>
-            <a:off x="6670040" y="3017069"/>
-            <a:ext cx="5026386" cy="3015832"/>
+            <a:off x="5605042" y="2673927"/>
+            <a:ext cx="6586958" cy="3254884"/>
           </a:xfrm>
           <a:prstGeom prst="rect">
             <a:avLst/>
           </a:prstGeom>
         </p:spPr>
       </p:pic>
-      <p:sp>
-        <p:nvSpPr>
-          <p:cNvPr id="6" name="TextBox 5">
-            <a:extLst>
-              <a:ext uri="{FF2B5EF4-FFF2-40B4-BE49-F238E27FC236}">
-                <a16:creationId xmlns:a16="http://schemas.microsoft.com/office/drawing/2014/main" id="{0A58D77D-DE25-4004-488B-F8F39A8BD2AA}"/>
-              </a:ext>
-            </a:extLst>
-          </p:cNvPr>
-          <p:cNvSpPr txBox="1"/>
-          <p:nvPr/>
-        </p:nvSpPr>
-        <p:spPr>
-          <a:xfrm>
-            <a:off x="7564120" y="4832668"/>
-            <a:ext cx="1056700" cy="369332"/>
-          </a:xfrm>
-          <a:prstGeom prst="rect">
-            <a:avLst/>
-          </a:prstGeom>
-          <a:noFill/>
-        </p:spPr>
-        <p:txBody>
-          <a:bodyPr wrap="none" rtlCol="0">
-            <a:spAutoFit/>
-          </a:bodyPr>
-          <a:lstStyle/>
-          <a:p>
-            <a:r>
-              <a:rPr lang="en-US" dirty="0">
-                <a:solidFill>
-                  <a:srgbClr val="FF0000"/>
-                </a:solidFill>
-              </a:rPr>
-              <a:t>LABELS</a:t>
-            </a:r>
-            <a:endParaRPr lang="en-BE" dirty="0">
-              <a:solidFill>
-                <a:srgbClr val="FF0000"/>
-              </a:solidFill>
-            </a:endParaRPr>
-          </a:p>
-        </p:txBody>
-      </p:sp>
     </p:spTree>
     <p:extLst>
       <p:ext uri="{BB962C8B-B14F-4D97-AF65-F5344CB8AC3E}">
@@ -6860,125 +6838,531 @@
           <a:chExt cx="0" cy="0"/>
         </a:xfrm>
       </p:grpSpPr>
-      <p:sp>
-        <p:nvSpPr>
-          <p:cNvPr id="2" name="Content Placeholder 1">
-            <a:extLst>
-              <a:ext uri="{FF2B5EF4-FFF2-40B4-BE49-F238E27FC236}">
-                <a16:creationId xmlns:a16="http://schemas.microsoft.com/office/drawing/2014/main" id="{CA457D18-D9DB-C9A1-E3ED-C69DC0299E8B}"/>
-              </a:ext>
-            </a:extLst>
-          </p:cNvPr>
-          <p:cNvSpPr>
-            <a:spLocks noGrp="1"/>
-          </p:cNvSpPr>
-          <p:nvPr>
-            <p:ph idx="1"/>
-          </p:nvPr>
-        </p:nvSpPr>
-        <p:spPr/>
-        <p:txBody>
-          <a:bodyPr/>
-          <a:lstStyle/>
-          <a:p>
-            <a:pPr>
-              <a:buNone/>
-            </a:pPr>
-            <a:r>
-              <a:rPr lang="nl-BE" b="1" dirty="0"/>
-              <a:t>Berekende waarde:</a:t>
-            </a:r>
-          </a:p>
-          <a:p>
-            <a:pPr>
-              <a:buNone/>
-            </a:pPr>
-            <a:r>
-              <a:rPr lang="nl-BE" dirty="0"/>
-              <a:t>				</a:t>
-            </a:r>
-            <a:r>
-              <a:rPr lang="nl-BE" dirty="0">
-                <a:solidFill>
-                  <a:srgbClr val="FF0000"/>
-                </a:solidFill>
-              </a:rPr>
-              <a:t>XXXXXXX</a:t>
-            </a:r>
-          </a:p>
-          <a:p>
-            <a:pPr>
-              <a:buNone/>
-            </a:pPr>
-            <a:r>
-              <a:rPr lang="nl-BE" b="1" dirty="0"/>
-              <a:t>Literatuurwaarde:</a:t>
-            </a:r>
-          </a:p>
-          <a:p>
-            <a:pPr>
-              <a:buNone/>
-            </a:pPr>
-            <a:r>
-              <a:rPr lang="nl-BE" b="1" dirty="0"/>
-              <a:t>				</a:t>
-            </a:r>
-            <a:r>
-              <a:rPr lang="nl-BE" dirty="0">
-                <a:solidFill>
-                  <a:srgbClr val="FF0000"/>
-                </a:solidFill>
-              </a:rPr>
-              <a:t>XXXXXXX</a:t>
-            </a:r>
-            <a:endParaRPr lang="nl-BE" b="1" dirty="0"/>
-          </a:p>
-          <a:p>
-            <a:pPr>
-              <a:buNone/>
-            </a:pPr>
-            <a:r>
-              <a:rPr lang="nl-BE" b="1" dirty="0"/>
-              <a:t>Conclusie:</a:t>
-            </a:r>
-          </a:p>
-          <a:p>
-            <a:pPr lvl="1"/>
-            <a:r>
-              <a:rPr lang="nl-NL" sz="2000" dirty="0"/>
-              <a:t>Goede benadering van de literatuurwaarde</a:t>
-            </a:r>
-            <a:endParaRPr lang="nl-BE" sz="2000" b="1" dirty="0"/>
-          </a:p>
-          <a:p>
-            <a:pPr lvl="1"/>
-            <a:r>
-              <a:rPr lang="nl-NL" sz="2000" dirty="0"/>
-              <a:t>Kleine afwijking mogelijk door systematische fouten:</a:t>
-            </a:r>
-          </a:p>
-          <a:p>
-            <a:pPr lvl="2"/>
-            <a:r>
-              <a:rPr lang="nl-NL" dirty="0"/>
-              <a:t>Parallaxfouten bij aflezen</a:t>
-            </a:r>
-          </a:p>
-          <a:p>
-            <a:pPr lvl="2"/>
-            <a:r>
-              <a:rPr lang="nl-NL" dirty="0"/>
-              <a:t>Onzekerheid in BBB-berekening</a:t>
-            </a:r>
-          </a:p>
-          <a:p>
-            <a:pPr>
-              <a:buNone/>
-            </a:pPr>
-            <a:endParaRPr lang="nl-BE" b="1" dirty="0"/>
-          </a:p>
-        </p:txBody>
-      </p:sp>
+      <mc:AlternateContent xmlns:mc="http://schemas.openxmlformats.org/markup-compatibility/2006">
+        <mc:Choice xmlns:a14="http://schemas.microsoft.com/office/drawing/2010/main" Requires="a14">
+          <p:sp>
+            <p:nvSpPr>
+              <p:cNvPr id="2" name="Content Placeholder 1">
+                <a:extLst>
+                  <a:ext uri="{FF2B5EF4-FFF2-40B4-BE49-F238E27FC236}">
+                    <a16:creationId xmlns:a16="http://schemas.microsoft.com/office/drawing/2014/main" id="{CA457D18-D9DB-C9A1-E3ED-C69DC0299E8B}"/>
+                  </a:ext>
+                </a:extLst>
+              </p:cNvPr>
+              <p:cNvSpPr>
+                <a:spLocks noGrp="1"/>
+              </p:cNvSpPr>
+              <p:nvPr>
+                <p:ph idx="1"/>
+              </p:nvPr>
+            </p:nvSpPr>
+            <p:spPr/>
+            <p:txBody>
+              <a:bodyPr>
+                <a:normAutofit fontScale="92500" lnSpcReduction="10000"/>
+              </a:bodyPr>
+              <a:lstStyle/>
+              <a:p>
+                <a:pPr>
+                  <a:buNone/>
+                </a:pPr>
+                <a:r>
+                  <a:rPr lang="nl-BE" b="1" dirty="0"/>
+                  <a:t>Berekende waarden:</a:t>
+                </a:r>
+              </a:p>
+              <a:p>
+                <a:pPr>
+                  <a:buNone/>
+                </a:pPr>
+                <a:r>
+                  <a:rPr lang="nl-BE" dirty="0"/>
+                  <a:t>		</a:t>
+                </a:r>
+                <a:r>
+                  <a:rPr lang="en-GB" b="1" dirty="0"/>
+                  <a:t> 1: </a:t>
+                </a:r>
+                <a14:m>
+                  <m:oMath xmlns:m="http://schemas.openxmlformats.org/officeDocument/2006/math">
+                    <m:r>
+                      <a:rPr lang="en-GB" b="1" i="1" smtClean="0">
+                        <a:latin typeface="Cambria Math" panose="02040503050406030204" pitchFamily="18" charset="0"/>
+                      </a:rPr>
+                      <m:t>−</m:t>
+                    </m:r>
+                    <m:r>
+                      <a:rPr lang="en-GB" b="1" i="1" smtClean="0">
+                        <a:latin typeface="Cambria Math" panose="02040503050406030204" pitchFamily="18" charset="0"/>
+                      </a:rPr>
+                      <m:t>(</m:t>
+                    </m:r>
+                    <m:r>
+                      <a:rPr lang="en-GB" b="1" i="1" smtClean="0">
+                        <a:latin typeface="Cambria Math" panose="02040503050406030204" pitchFamily="18" charset="0"/>
+                      </a:rPr>
+                      <m:t>𝟏</m:t>
+                    </m:r>
+                    <m:r>
+                      <a:rPr lang="en-GB" b="1" i="1" smtClean="0">
+                        <a:latin typeface="Cambria Math" panose="02040503050406030204" pitchFamily="18" charset="0"/>
+                      </a:rPr>
+                      <m:t>.</m:t>
+                    </m:r>
+                    <m:r>
+                      <a:rPr lang="en-GB" b="1" i="1" smtClean="0">
+                        <a:latin typeface="Cambria Math" panose="02040503050406030204" pitchFamily="18" charset="0"/>
+                      </a:rPr>
+                      <m:t>𝟖</m:t>
+                    </m:r>
+                    <m:r>
+                      <a:rPr lang="en-GB" b="1" i="1" smtClean="0">
+                        <a:latin typeface="Cambria Math" panose="02040503050406030204" pitchFamily="18" charset="0"/>
+                      </a:rPr>
+                      <m:t> ±</m:t>
+                    </m:r>
+                    <m:r>
+                      <a:rPr lang="en-GB" b="1" i="1" smtClean="0">
+                        <a:latin typeface="Cambria Math" panose="02040503050406030204" pitchFamily="18" charset="0"/>
+                      </a:rPr>
+                      <m:t>𝟎</m:t>
+                    </m:r>
+                    <m:r>
+                      <a:rPr lang="en-GB" b="1" i="1" smtClean="0">
+                        <a:latin typeface="Cambria Math" panose="02040503050406030204" pitchFamily="18" charset="0"/>
+                      </a:rPr>
+                      <m:t>.</m:t>
+                    </m:r>
+                    <m:r>
+                      <a:rPr lang="en-GB" b="1" i="1" smtClean="0">
+                        <a:latin typeface="Cambria Math" panose="02040503050406030204" pitchFamily="18" charset="0"/>
+                      </a:rPr>
+                      <m:t>𝟐</m:t>
+                    </m:r>
+                    <m:r>
+                      <a:rPr lang="en-GB" b="1" i="1" smtClean="0">
+                        <a:latin typeface="Cambria Math" panose="02040503050406030204" pitchFamily="18" charset="0"/>
+                      </a:rPr>
+                      <m:t>)∙</m:t>
+                    </m:r>
+                    <m:f>
+                      <m:fPr>
+                        <m:ctrlPr>
+                          <a:rPr lang="en-GB" b="1" i="1" smtClean="0">
+                            <a:latin typeface="Cambria Math" panose="02040503050406030204" pitchFamily="18" charset="0"/>
+                            <a:ea typeface="Cambria Math" panose="02040503050406030204" pitchFamily="18" charset="0"/>
+                          </a:rPr>
+                        </m:ctrlPr>
+                      </m:fPr>
+                      <m:num>
+                        <m:sSup>
+                          <m:sSupPr>
+                            <m:ctrlPr>
+                              <a:rPr lang="en-GB" b="1" i="1" smtClean="0">
+                                <a:latin typeface="Cambria Math" panose="02040503050406030204" pitchFamily="18" charset="0"/>
+                                <a:ea typeface="Cambria Math" panose="02040503050406030204" pitchFamily="18" charset="0"/>
+                              </a:rPr>
+                            </m:ctrlPr>
+                          </m:sSupPr>
+                          <m:e>
+                            <m:r>
+                              <a:rPr lang="en-GB" b="1" i="1" smtClean="0">
+                                <a:latin typeface="Cambria Math" panose="02040503050406030204" pitchFamily="18" charset="0"/>
+                                <a:ea typeface="Cambria Math" panose="02040503050406030204" pitchFamily="18" charset="0"/>
+                              </a:rPr>
+                              <m:t>𝟏𝟎</m:t>
+                            </m:r>
+                          </m:e>
+                          <m:sup>
+                            <m:r>
+                              <a:rPr lang="en-GB" b="1" i="1" smtClean="0">
+                                <a:latin typeface="Cambria Math" panose="02040503050406030204" pitchFamily="18" charset="0"/>
+                                <a:ea typeface="Cambria Math" panose="02040503050406030204" pitchFamily="18" charset="0"/>
+                              </a:rPr>
+                              <m:t>𝟏𝟏</m:t>
+                            </m:r>
+                          </m:sup>
+                        </m:sSup>
+                        <m:r>
+                          <a:rPr lang="en-GB" b="1" i="1" smtClean="0">
+                            <a:latin typeface="Cambria Math" panose="02040503050406030204" pitchFamily="18" charset="0"/>
+                            <a:ea typeface="Cambria Math" panose="02040503050406030204" pitchFamily="18" charset="0"/>
+                          </a:rPr>
+                          <m:t>𝑪</m:t>
+                        </m:r>
+                      </m:num>
+                      <m:den>
+                        <m:r>
+                          <a:rPr lang="en-GB" b="1" i="1" smtClean="0">
+                            <a:latin typeface="Cambria Math" panose="02040503050406030204" pitchFamily="18" charset="0"/>
+                            <a:ea typeface="Cambria Math" panose="02040503050406030204" pitchFamily="18" charset="0"/>
+                          </a:rPr>
+                          <m:t>𝒌𝒈</m:t>
+                        </m:r>
+                      </m:den>
+                    </m:f>
+                  </m:oMath>
+                </a14:m>
+                <a:endParaRPr lang="en-GB" b="1" i="1" dirty="0">
+                  <a:latin typeface="Cambria Math" panose="02040503050406030204" pitchFamily="18" charset="0"/>
+                  <a:ea typeface="Cambria Math" panose="02040503050406030204" pitchFamily="18" charset="0"/>
+                </a:endParaRPr>
+              </a:p>
+              <a:p>
+                <a:pPr>
+                  <a:buNone/>
+                </a:pPr>
+                <a:r>
+                  <a:rPr lang="nl-BE" b="1" dirty="0"/>
+                  <a:t>             2:</a:t>
+                </a:r>
+                <a14:m>
+                  <m:oMath xmlns:m="http://schemas.openxmlformats.org/officeDocument/2006/math">
+                    <m:r>
+                      <a:rPr lang="en-GB" b="1" i="1">
+                        <a:latin typeface="Cambria Math" panose="02040503050406030204" pitchFamily="18" charset="0"/>
+                      </a:rPr>
+                      <m:t>−(</m:t>
+                    </m:r>
+                    <m:r>
+                      <a:rPr lang="en-GB" b="1" i="1">
+                        <a:latin typeface="Cambria Math" panose="02040503050406030204" pitchFamily="18" charset="0"/>
+                      </a:rPr>
+                      <m:t>𝟏</m:t>
+                    </m:r>
+                    <m:r>
+                      <a:rPr lang="en-GB" b="1" i="1">
+                        <a:latin typeface="Cambria Math" panose="02040503050406030204" pitchFamily="18" charset="0"/>
+                      </a:rPr>
+                      <m:t>.</m:t>
+                    </m:r>
+                    <m:r>
+                      <a:rPr lang="en-GB" b="1" i="1">
+                        <a:latin typeface="Cambria Math" panose="02040503050406030204" pitchFamily="18" charset="0"/>
+                      </a:rPr>
+                      <m:t>𝟖𝟕</m:t>
+                    </m:r>
+                    <m:r>
+                      <a:rPr lang="en-GB" b="1" i="1">
+                        <a:latin typeface="Cambria Math" panose="02040503050406030204" pitchFamily="18" charset="0"/>
+                      </a:rPr>
+                      <m:t>±</m:t>
+                    </m:r>
+                    <m:r>
+                      <a:rPr lang="en-GB" b="1" i="1" smtClean="0">
+                        <a:latin typeface="Cambria Math" panose="02040503050406030204" pitchFamily="18" charset="0"/>
+                      </a:rPr>
+                      <m:t>𝟎</m:t>
+                    </m:r>
+                    <m:r>
+                      <a:rPr lang="en-GB" b="1" i="1" smtClean="0">
+                        <a:latin typeface="Cambria Math" panose="02040503050406030204" pitchFamily="18" charset="0"/>
+                      </a:rPr>
+                      <m:t>.</m:t>
+                    </m:r>
+                    <m:r>
+                      <a:rPr lang="en-GB" b="1" i="1" smtClean="0">
+                        <a:latin typeface="Cambria Math" panose="02040503050406030204" pitchFamily="18" charset="0"/>
+                      </a:rPr>
+                      <m:t>𝟎𝟖</m:t>
+                    </m:r>
+                    <m:r>
+                      <a:rPr lang="en-GB" b="1" i="1">
+                        <a:latin typeface="Cambria Math" panose="02040503050406030204" pitchFamily="18" charset="0"/>
+                      </a:rPr>
+                      <m:t>)</m:t>
+                    </m:r>
+                    <m:r>
+                      <a:rPr lang="en-GB" b="1" i="1" smtClean="0">
+                        <a:latin typeface="Cambria Math" panose="02040503050406030204" pitchFamily="18" charset="0"/>
+                        <a:ea typeface="Cambria Math" panose="02040503050406030204" pitchFamily="18" charset="0"/>
+                      </a:rPr>
+                      <m:t>∙</m:t>
+                    </m:r>
+                  </m:oMath>
+                </a14:m>
+                <a:r>
+                  <a:rPr lang="en-GB" b="1" dirty="0">
+                    <a:ea typeface="Cambria Math" panose="02040503050406030204" pitchFamily="18" charset="0"/>
+                  </a:rPr>
+                  <a:t> </a:t>
+                </a:r>
+                <a14:m>
+                  <m:oMath xmlns:m="http://schemas.openxmlformats.org/officeDocument/2006/math">
+                    <m:f>
+                      <m:fPr>
+                        <m:ctrlPr>
+                          <a:rPr lang="en-GB" b="1" i="1">
+                            <a:latin typeface="Cambria Math" panose="02040503050406030204" pitchFamily="18" charset="0"/>
+                            <a:ea typeface="Cambria Math" panose="02040503050406030204" pitchFamily="18" charset="0"/>
+                          </a:rPr>
+                        </m:ctrlPr>
+                      </m:fPr>
+                      <m:num>
+                        <m:sSup>
+                          <m:sSupPr>
+                            <m:ctrlPr>
+                              <a:rPr lang="en-GB" b="1" i="1">
+                                <a:latin typeface="Cambria Math" panose="02040503050406030204" pitchFamily="18" charset="0"/>
+                                <a:ea typeface="Cambria Math" panose="02040503050406030204" pitchFamily="18" charset="0"/>
+                              </a:rPr>
+                            </m:ctrlPr>
+                          </m:sSupPr>
+                          <m:e>
+                            <m:r>
+                              <a:rPr lang="en-GB" b="1" i="1">
+                                <a:latin typeface="Cambria Math" panose="02040503050406030204" pitchFamily="18" charset="0"/>
+                                <a:ea typeface="Cambria Math" panose="02040503050406030204" pitchFamily="18" charset="0"/>
+                              </a:rPr>
+                              <m:t>𝟏𝟎</m:t>
+                            </m:r>
+                          </m:e>
+                          <m:sup>
+                            <m:r>
+                              <a:rPr lang="en-GB" b="1" i="1">
+                                <a:latin typeface="Cambria Math" panose="02040503050406030204" pitchFamily="18" charset="0"/>
+                                <a:ea typeface="Cambria Math" panose="02040503050406030204" pitchFamily="18" charset="0"/>
+                              </a:rPr>
+                              <m:t>𝟏𝟏</m:t>
+                            </m:r>
+                          </m:sup>
+                        </m:sSup>
+                        <m:r>
+                          <a:rPr lang="en-GB" b="1" i="1">
+                            <a:latin typeface="Cambria Math" panose="02040503050406030204" pitchFamily="18" charset="0"/>
+                            <a:ea typeface="Cambria Math" panose="02040503050406030204" pitchFamily="18" charset="0"/>
+                          </a:rPr>
+                          <m:t>𝑪</m:t>
+                        </m:r>
+                      </m:num>
+                      <m:den>
+                        <m:r>
+                          <a:rPr lang="en-GB" b="1" i="1">
+                            <a:latin typeface="Cambria Math" panose="02040503050406030204" pitchFamily="18" charset="0"/>
+                            <a:ea typeface="Cambria Math" panose="02040503050406030204" pitchFamily="18" charset="0"/>
+                          </a:rPr>
+                          <m:t>𝒌𝒈</m:t>
+                        </m:r>
+                      </m:den>
+                    </m:f>
+                  </m:oMath>
+                </a14:m>
+                <a:endParaRPr lang="nl-BE" b="1" dirty="0"/>
+              </a:p>
+              <a:p>
+                <a:pPr>
+                  <a:buNone/>
+                </a:pPr>
+                <a:r>
+                  <a:rPr lang="nl-BE" b="1" dirty="0"/>
+                  <a:t>Literatuurwaarde:</a:t>
+                </a:r>
+              </a:p>
+              <a:p>
+                <a:pPr>
+                  <a:buNone/>
+                </a:pPr>
+                <a:r>
+                  <a:rPr lang="nl-BE" b="1" dirty="0"/>
+                  <a:t>				</a:t>
+                </a:r>
+                <a14:m>
+                  <m:oMath xmlns:m="http://schemas.openxmlformats.org/officeDocument/2006/math">
+                    <m:f>
+                      <m:fPr>
+                        <m:ctrlPr>
+                          <a:rPr lang="en-GB" b="1" i="1" smtClean="0">
+                            <a:latin typeface="Cambria Math" panose="02040503050406030204" pitchFamily="18" charset="0"/>
+                          </a:rPr>
+                        </m:ctrlPr>
+                      </m:fPr>
+                      <m:num>
+                        <m:r>
+                          <a:rPr lang="en-GB" b="1" i="1" smtClean="0">
+                            <a:latin typeface="Cambria Math" panose="02040503050406030204" pitchFamily="18" charset="0"/>
+                          </a:rPr>
+                          <m:t>𝒒</m:t>
+                        </m:r>
+                      </m:num>
+                      <m:den>
+                        <m:r>
+                          <a:rPr lang="en-GB" b="1" i="1" smtClean="0">
+                            <a:latin typeface="Cambria Math" panose="02040503050406030204" pitchFamily="18" charset="0"/>
+                          </a:rPr>
+                          <m:t>𝒎</m:t>
+                        </m:r>
+                      </m:den>
+                    </m:f>
+                    <m:r>
+                      <a:rPr lang="en-GB" b="1" i="1" smtClean="0">
+                        <a:latin typeface="Cambria Math" panose="02040503050406030204" pitchFamily="18" charset="0"/>
+                      </a:rPr>
+                      <m:t>=−</m:t>
+                    </m:r>
+                    <m:r>
+                      <a:rPr lang="en-GB" b="1" i="1" smtClean="0">
+                        <a:latin typeface="Cambria Math" panose="02040503050406030204" pitchFamily="18" charset="0"/>
+                      </a:rPr>
+                      <m:t>𝟏</m:t>
+                    </m:r>
+                    <m:r>
+                      <a:rPr lang="en-GB" b="1" i="1" smtClean="0">
+                        <a:latin typeface="Cambria Math" panose="02040503050406030204" pitchFamily="18" charset="0"/>
+                      </a:rPr>
+                      <m:t>.</m:t>
+                    </m:r>
+                    <m:r>
+                      <a:rPr lang="en-GB" b="1" i="1" smtClean="0">
+                        <a:latin typeface="Cambria Math" panose="02040503050406030204" pitchFamily="18" charset="0"/>
+                      </a:rPr>
+                      <m:t>𝟕𝟓𝟖</m:t>
+                    </m:r>
+                    <m:r>
+                      <a:rPr lang="en-GB" b="1" i="1" smtClean="0">
+                        <a:latin typeface="Cambria Math" panose="02040503050406030204" pitchFamily="18" charset="0"/>
+                      </a:rPr>
+                      <m:t> ×</m:t>
+                    </m:r>
+                    <m:sSup>
+                      <m:sSupPr>
+                        <m:ctrlPr>
+                          <a:rPr lang="en-GB" b="1" i="1" smtClean="0">
+                            <a:latin typeface="Cambria Math" panose="02040503050406030204" pitchFamily="18" charset="0"/>
+                            <a:ea typeface="Cambria Math" panose="02040503050406030204" pitchFamily="18" charset="0"/>
+                          </a:rPr>
+                        </m:ctrlPr>
+                      </m:sSupPr>
+                      <m:e>
+                        <m:r>
+                          <a:rPr lang="en-GB" b="1" i="1" smtClean="0">
+                            <a:latin typeface="Cambria Math" panose="02040503050406030204" pitchFamily="18" charset="0"/>
+                            <a:ea typeface="Cambria Math" panose="02040503050406030204" pitchFamily="18" charset="0"/>
+                          </a:rPr>
+                          <m:t>𝟏𝟎</m:t>
+                        </m:r>
+                      </m:e>
+                      <m:sup>
+                        <m:r>
+                          <a:rPr lang="en-GB" b="1" i="1" smtClean="0">
+                            <a:latin typeface="Cambria Math" panose="02040503050406030204" pitchFamily="18" charset="0"/>
+                            <a:ea typeface="Cambria Math" panose="02040503050406030204" pitchFamily="18" charset="0"/>
+                          </a:rPr>
+                          <m:t>𝟏𝟏</m:t>
+                        </m:r>
+                      </m:sup>
+                    </m:sSup>
+                    <m:r>
+                      <a:rPr lang="en-GB" b="1" i="1" smtClean="0">
+                        <a:latin typeface="Cambria Math" panose="02040503050406030204" pitchFamily="18" charset="0"/>
+                        <a:ea typeface="Cambria Math" panose="02040503050406030204" pitchFamily="18" charset="0"/>
+                      </a:rPr>
+                      <m:t>𝑪</m:t>
+                    </m:r>
+                    <m:r>
+                      <a:rPr lang="en-GB" b="1" i="1" smtClean="0">
+                        <a:latin typeface="Cambria Math" panose="02040503050406030204" pitchFamily="18" charset="0"/>
+                        <a:ea typeface="Cambria Math" panose="02040503050406030204" pitchFamily="18" charset="0"/>
+                      </a:rPr>
+                      <m:t>/</m:t>
+                    </m:r>
+                    <m:r>
+                      <a:rPr lang="en-GB" b="1" i="1" smtClean="0">
+                        <a:latin typeface="Cambria Math" panose="02040503050406030204" pitchFamily="18" charset="0"/>
+                        <a:ea typeface="Cambria Math" panose="02040503050406030204" pitchFamily="18" charset="0"/>
+                      </a:rPr>
+                      <m:t>𝒌𝒈</m:t>
+                    </m:r>
+                  </m:oMath>
+                </a14:m>
+                <a:endParaRPr lang="nl-BE" b="1" dirty="0"/>
+              </a:p>
+              <a:p>
+                <a:pPr>
+                  <a:buNone/>
+                </a:pPr>
+                <a:r>
+                  <a:rPr lang="nl-BE" b="1" dirty="0"/>
+                  <a:t>Conclusie:</a:t>
+                </a:r>
+              </a:p>
+              <a:p>
+                <a:pPr lvl="1"/>
+                <a:r>
+                  <a:rPr lang="nl-NL" sz="2000" dirty="0"/>
+                  <a:t>Goede benadering van de literatuurwaarde</a:t>
+                </a:r>
+                <a:endParaRPr lang="nl-BE" sz="2000" b="1" dirty="0"/>
+              </a:p>
+              <a:p>
+                <a:pPr lvl="1"/>
+                <a:r>
+                  <a:rPr lang="nl-NL" sz="2000" dirty="0"/>
+                  <a:t>Kleine afwijking mogelijk door systematische fouten:</a:t>
+                </a:r>
+              </a:p>
+              <a:p>
+                <a:pPr lvl="2"/>
+                <a:r>
+                  <a:rPr lang="nl-NL" dirty="0"/>
+                  <a:t>Parallaxfouten bij aflezen</a:t>
+                </a:r>
+              </a:p>
+              <a:p>
+                <a:pPr lvl="2"/>
+                <a:r>
+                  <a:rPr lang="nl-NL" dirty="0"/>
+                  <a:t>Onzekerheid in BBB-berekening</a:t>
+                </a:r>
+              </a:p>
+              <a:p>
+                <a:pPr>
+                  <a:buNone/>
+                </a:pPr>
+                <a:endParaRPr lang="nl-BE" b="1" dirty="0"/>
+              </a:p>
+            </p:txBody>
+          </p:sp>
+        </mc:Choice>
+        <mc:Fallback>
+          <p:sp>
+            <p:nvSpPr>
+              <p:cNvPr id="2" name="Content Placeholder 1">
+                <a:extLst>
+                  <a:ext uri="{FF2B5EF4-FFF2-40B4-BE49-F238E27FC236}">
+                    <a16:creationId xmlns:a16="http://schemas.microsoft.com/office/drawing/2014/main" id="{CA457D18-D9DB-C9A1-E3ED-C69DC0299E8B}"/>
+                  </a:ext>
+                </a:extLst>
+              </p:cNvPr>
+              <p:cNvSpPr>
+                <a:spLocks noGrp="1" noRot="1" noChangeAspect="1" noMove="1" noResize="1" noEditPoints="1" noAdjustHandles="1" noChangeArrowheads="1" noChangeShapeType="1" noTextEdit="1"/>
+              </p:cNvSpPr>
+              <p:nvPr>
+                <p:ph idx="1"/>
+              </p:nvPr>
+            </p:nvSpPr>
+            <p:spPr>
+              <a:blipFill>
+                <a:blip r:embed="rId2"/>
+                <a:stretch>
+                  <a:fillRect l="-717" t="-1639" b="-273"/>
+                </a:stretch>
+              </a:blipFill>
+            </p:spPr>
+            <p:txBody>
+              <a:bodyPr/>
+              <a:lstStyle/>
+              <a:p>
+                <a:r>
+                  <a:rPr lang="en-GB">
+                    <a:noFill/>
+                  </a:rPr>
+                  <a:t> </a:t>
+                </a:r>
+              </a:p>
+            </p:txBody>
+          </p:sp>
+        </mc:Fallback>
+      </mc:AlternateContent>
       <p:sp>
         <p:nvSpPr>
           <p:cNvPr id="3" name="Footer Placeholder 2">
@@ -7063,7 +7447,7 @@
             </a:r>
             <a:r>
               <a:rPr lang="en-US" dirty="0" err="1"/>
-              <a:t>electronen</a:t>
+              <a:t>elektronen</a:t>
             </a:r>
             <a:endParaRPr lang="en-BE" dirty="0"/>
           </a:p>
@@ -7242,6 +7626,13 @@
           </p:nvPr>
         </p:nvSpPr>
         <p:spPr/>
+        <p:txBody>
+          <a:bodyPr/>
+          <a:lstStyle/>
+          <a:p>
+            <a:endParaRPr lang="en-GB"/>
+          </a:p>
+        </p:txBody>
       </p:sp>
       <p:sp>
         <p:nvSpPr>
@@ -7260,6 +7651,13 @@
           </p:nvPr>
         </p:nvSpPr>
         <p:spPr/>
+        <p:txBody>
+          <a:bodyPr/>
+          <a:lstStyle/>
+          <a:p>
+            <a:endParaRPr lang="en-GB"/>
+          </a:p>
+        </p:txBody>
       </p:sp>
     </p:spTree>
     <p:extLst>
@@ -7297,8 +7695,8 @@
           <a:chExt cx="0" cy="0"/>
         </a:xfrm>
       </p:grpSpPr>
-      <mc:AlternateContent xmlns:mc="http://schemas.openxmlformats.org/markup-compatibility/2006">
-        <mc:Choice xmlns:a14="http://schemas.microsoft.com/office/drawing/2010/main" Requires="a14">
+      <mc:AlternateContent xmlns:mc="http://schemas.openxmlformats.org/markup-compatibility/2006" xmlns:a14="http://schemas.microsoft.com/office/drawing/2010/main">
+        <mc:Choice Requires="a14">
           <p:sp>
             <p:nvSpPr>
               <p:cNvPr id="2" name="Content Placeholder 1">
@@ -7764,7 +8162,7 @@
             </p:txBody>
           </p:sp>
         </mc:Choice>
-        <mc:Fallback>
+        <mc:Fallback xmlns="">
           <p:sp>
             <p:nvSpPr>
               <p:cNvPr id="2" name="Content Placeholder 1">
@@ -8124,6 +8522,12 @@
                 <a14:m>
                   <m:oMath xmlns:m="http://schemas.openxmlformats.org/officeDocument/2006/math">
                     <m:r>
+                      <a:rPr lang="en-GB" sz="2000" b="0" i="0" smtClean="0">
+                        <a:latin typeface="Cambria Math" panose="02040503050406030204" pitchFamily="18" charset="0"/>
+                      </a:rPr>
+                      <m:t>(</m:t>
+                    </m:r>
+                    <m:r>
                       <a:rPr lang="en-US" sz="2000" b="0" i="1" smtClean="0">
                         <a:latin typeface="Cambria Math" panose="02040503050406030204" pitchFamily="18" charset="0"/>
                       </a:rPr>
@@ -8134,7 +8538,21 @@
                         <a:latin typeface="Cambria Math" panose="02040503050406030204" pitchFamily="18" charset="0"/>
                         <a:ea typeface="Cambria Math" panose="02040503050406030204" pitchFamily="18" charset="0"/>
                       </a:rPr>
-                      <m:t>± </m:t>
+                      <m:t>±</m:t>
+                    </m:r>
+                    <m:r>
+                      <a:rPr lang="en-GB" sz="2000" b="0" i="1" smtClean="0">
+                        <a:latin typeface="Cambria Math" panose="02040503050406030204" pitchFamily="18" charset="0"/>
+                        <a:ea typeface="Cambria Math" panose="02040503050406030204" pitchFamily="18" charset="0"/>
+                      </a:rPr>
+                      <m:t>30)</m:t>
+                    </m:r>
+                    <m:r>
+                      <a:rPr lang="en-US" sz="2000" b="0" i="1" smtClean="0">
+                        <a:latin typeface="Cambria Math" panose="02040503050406030204" pitchFamily="18" charset="0"/>
+                        <a:ea typeface="Cambria Math" panose="02040503050406030204" pitchFamily="18" charset="0"/>
+                      </a:rPr>
+                      <m:t> </m:t>
                     </m:r>
                     <m:r>
                       <a:rPr lang="en-US" sz="2000" b="0" i="1" smtClean="0">
@@ -8170,13 +8588,19 @@
                       <a:rPr lang="en-US" b="0" i="1" smtClean="0">
                         <a:latin typeface="Cambria Math" panose="02040503050406030204" pitchFamily="18" charset="0"/>
                       </a:rPr>
-                      <m:t>=1,000226±</m:t>
+                      <m:t>=(1,0</m:t>
+                    </m:r>
+                    <m:r>
+                      <a:rPr lang="en-US" b="0" i="1" smtClean="0">
+                        <a:latin typeface="Cambria Math" panose="02040503050406030204" pitchFamily="18" charset="0"/>
+                      </a:rPr>
+                      <m:t>0023±</m:t>
                     </m:r>
                   </m:oMath>
                 </a14:m>
                 <a:r>
                   <a:rPr lang="nl-NL" dirty="0"/>
-                  <a:t> </a:t>
+                  <a:t>0.00003) </a:t>
                 </a:r>
                 <a:r>
                   <a:rPr lang="nl-NL" sz="1600" dirty="0">
@@ -8201,7 +8625,19 @@
                       <a:rPr lang="nl-NL" i="1" dirty="0" smtClean="0">
                         <a:latin typeface="Cambria Math" panose="02040503050406030204" pitchFamily="18" charset="0"/>
                       </a:rPr>
-                      <m:t>=1.000369 </m:t>
+                      <m:t>=(1.0</m:t>
+                    </m:r>
+                    <m:r>
+                      <a:rPr lang="nl-NL" i="1" dirty="0" smtClean="0">
+                        <a:latin typeface="Cambria Math" panose="02040503050406030204" pitchFamily="18" charset="0"/>
+                      </a:rPr>
+                      <m:t>0041±0.0</m:t>
+                    </m:r>
+                    <m:r>
+                      <a:rPr lang="en-GB" b="0" i="1" smtClean="0">
+                        <a:latin typeface="Cambria Math" panose="02040503050406030204" pitchFamily="18" charset="0"/>
+                      </a:rPr>
+                      <m:t>0004) </m:t>
                     </m:r>
                   </m:oMath>
                 </a14:m>
@@ -8251,7 +8687,7 @@
               <a:lstStyle/>
               <a:p>
                 <a:r>
-                  <a:rPr lang="en-BE">
+                  <a:rPr lang="en-GB">
                     <a:noFill/>
                   </a:rPr>
                   <a:t> </a:t>
@@ -8420,19 +8856,19 @@
             </a:pPr>
             <a:r>
               <a:rPr lang="nl-NL" sz="2000" dirty="0"/>
-              <a:t>Kleine afwijking van de theoretische waarde (</a:t>
+              <a:t>Afwijking van de theoretische waarde (</a:t>
             </a:r>
             <a:r>
               <a:rPr lang="nl-NL" sz="2000" dirty="0">
                 <a:solidFill>
-                  <a:srgbClr val="FF0000"/>
+                  <a:srgbClr val="2F4D5D"/>
                 </a:solidFill>
               </a:rPr>
-              <a:t>xx</a:t>
+              <a:t>20</a:t>
             </a:r>
             <a:r>
               <a:rPr lang="nl-NL" sz="2000" dirty="0"/>
-              <a:t>%)</a:t>
+              <a:t>% en 8%)</a:t>
             </a:r>
           </a:p>
           <a:p>
